--- a/articles/201603/pc.pptx
+++ b/articles/201603/pc.pptx
@@ -104,6 +104,11 @@
       </a:defRPr>
     </a:lvl9pPr>
   </p:defaultTextStyle>
+  <p:extLst>
+    <p:ext uri="{EFAFB233-063F-42B5-8137-9DF3F51BA10A}">
+      <p15:sldGuideLst xmlns:p15="http://schemas.microsoft.com/office/powerpoint/2012/main"/>
+    </p:ext>
+  </p:extLst>
 </p:presentation>
 </file>
 
@@ -238,7 +243,7 @@
           <a:p>
             <a:fld id="{033975EB-D72D-4A87-B56A-E6A64515DECD}" type="datetimeFigureOut">
               <a:rPr kumimoji="1" lang="ja-JP" altLang="en-US" smtClean="0"/>
-              <a:t>2016/3/14</a:t>
+              <a:t>2016/3/15</a:t>
             </a:fld>
             <a:endParaRPr kumimoji="1" lang="ja-JP" altLang="en-US"/>
           </a:p>
@@ -440,7 +445,7 @@
           <a:p>
             <a:fld id="{033975EB-D72D-4A87-B56A-E6A64515DECD}" type="datetimeFigureOut">
               <a:rPr kumimoji="1" lang="ja-JP" altLang="en-US" smtClean="0"/>
-              <a:t>2016/3/14</a:t>
+              <a:t>2016/3/15</a:t>
             </a:fld>
             <a:endParaRPr kumimoji="1" lang="ja-JP" altLang="en-US"/>
           </a:p>
@@ -652,7 +657,7 @@
           <a:p>
             <a:fld id="{033975EB-D72D-4A87-B56A-E6A64515DECD}" type="datetimeFigureOut">
               <a:rPr kumimoji="1" lang="ja-JP" altLang="en-US" smtClean="0"/>
-              <a:t>2016/3/14</a:t>
+              <a:t>2016/3/15</a:t>
             </a:fld>
             <a:endParaRPr kumimoji="1" lang="ja-JP" altLang="en-US"/>
           </a:p>
@@ -854,7 +859,7 @@
           <a:p>
             <a:fld id="{033975EB-D72D-4A87-B56A-E6A64515DECD}" type="datetimeFigureOut">
               <a:rPr kumimoji="1" lang="ja-JP" altLang="en-US" smtClean="0"/>
-              <a:t>2016/3/14</a:t>
+              <a:t>2016/3/15</a:t>
             </a:fld>
             <a:endParaRPr kumimoji="1" lang="ja-JP" altLang="en-US"/>
           </a:p>
@@ -1098,7 +1103,7 @@
           <a:p>
             <a:fld id="{033975EB-D72D-4A87-B56A-E6A64515DECD}" type="datetimeFigureOut">
               <a:rPr kumimoji="1" lang="ja-JP" altLang="en-US" smtClean="0"/>
-              <a:t>2016/3/14</a:t>
+              <a:t>2016/3/15</a:t>
             </a:fld>
             <a:endParaRPr kumimoji="1" lang="ja-JP" altLang="en-US"/>
           </a:p>
@@ -1394,7 +1399,7 @@
           <a:p>
             <a:fld id="{033975EB-D72D-4A87-B56A-E6A64515DECD}" type="datetimeFigureOut">
               <a:rPr kumimoji="1" lang="ja-JP" altLang="en-US" smtClean="0"/>
-              <a:t>2016/3/14</a:t>
+              <a:t>2016/3/15</a:t>
             </a:fld>
             <a:endParaRPr kumimoji="1" lang="ja-JP" altLang="en-US"/>
           </a:p>
@@ -1825,7 +1830,7 @@
           <a:p>
             <a:fld id="{033975EB-D72D-4A87-B56A-E6A64515DECD}" type="datetimeFigureOut">
               <a:rPr kumimoji="1" lang="ja-JP" altLang="en-US" smtClean="0"/>
-              <a:t>2016/3/14</a:t>
+              <a:t>2016/3/15</a:t>
             </a:fld>
             <a:endParaRPr kumimoji="1" lang="ja-JP" altLang="en-US"/>
           </a:p>
@@ -1943,7 +1948,7 @@
           <a:p>
             <a:fld id="{033975EB-D72D-4A87-B56A-E6A64515DECD}" type="datetimeFigureOut">
               <a:rPr kumimoji="1" lang="ja-JP" altLang="en-US" smtClean="0"/>
-              <a:t>2016/3/14</a:t>
+              <a:t>2016/3/15</a:t>
             </a:fld>
             <a:endParaRPr kumimoji="1" lang="ja-JP" altLang="en-US"/>
           </a:p>
@@ -2038,7 +2043,7 @@
           <a:p>
             <a:fld id="{033975EB-D72D-4A87-B56A-E6A64515DECD}" type="datetimeFigureOut">
               <a:rPr kumimoji="1" lang="ja-JP" altLang="en-US" smtClean="0"/>
-              <a:t>2016/3/14</a:t>
+              <a:t>2016/3/15</a:t>
             </a:fld>
             <a:endParaRPr kumimoji="1" lang="ja-JP" altLang="en-US"/>
           </a:p>
@@ -2347,7 +2352,7 @@
           <a:p>
             <a:fld id="{033975EB-D72D-4A87-B56A-E6A64515DECD}" type="datetimeFigureOut">
               <a:rPr kumimoji="1" lang="ja-JP" altLang="en-US" smtClean="0"/>
-              <a:t>2016/3/14</a:t>
+              <a:t>2016/3/15</a:t>
             </a:fld>
             <a:endParaRPr kumimoji="1" lang="ja-JP" altLang="en-US"/>
           </a:p>
@@ -2604,7 +2609,7 @@
           <a:p>
             <a:fld id="{033975EB-D72D-4A87-B56A-E6A64515DECD}" type="datetimeFigureOut">
               <a:rPr kumimoji="1" lang="ja-JP" altLang="en-US" smtClean="0"/>
-              <a:t>2016/3/14</a:t>
+              <a:t>2016/3/15</a:t>
             </a:fld>
             <a:endParaRPr kumimoji="1" lang="ja-JP" altLang="en-US"/>
           </a:p>
@@ -2849,7 +2854,7 @@
           <a:p>
             <a:fld id="{033975EB-D72D-4A87-B56A-E6A64515DECD}" type="datetimeFigureOut">
               <a:rPr kumimoji="1" lang="ja-JP" altLang="en-US" smtClean="0"/>
-              <a:t>2016/3/14</a:t>
+              <a:t>2016/3/15</a:t>
             </a:fld>
             <a:endParaRPr kumimoji="1" lang="ja-JP" altLang="en-US"/>
           </a:p>
@@ -6487,8 +6492,8 @@
         </p:nvCxnSpPr>
         <p:spPr>
           <a:xfrm flipH="1" flipV="1">
-            <a:off x="2702063" y="2021921"/>
-            <a:ext cx="741220" cy="3505"/>
+            <a:off x="2681284" y="2024063"/>
+            <a:ext cx="795333" cy="1364"/>
           </a:xfrm>
           <a:prstGeom prst="line">
             <a:avLst/>
@@ -6696,8 +6701,8 @@
         </p:nvCxnSpPr>
         <p:spPr>
           <a:xfrm flipH="1" flipV="1">
-            <a:off x="3270572" y="2941171"/>
-            <a:ext cx="174540" cy="1"/>
+            <a:off x="3271056" y="2940844"/>
+            <a:ext cx="209773" cy="329"/>
           </a:xfrm>
           <a:prstGeom prst="line">
             <a:avLst/>
@@ -6899,42 +6904,6 @@
       </p:grpSp>
       <p:cxnSp>
         <p:nvCxnSpPr>
-          <p:cNvPr id="151" name="直線コネクタ 150"/>
-          <p:cNvCxnSpPr/>
-          <p:nvPr/>
-        </p:nvCxnSpPr>
-        <p:spPr>
-          <a:xfrm flipH="1" flipV="1">
-            <a:off x="3273438" y="3857479"/>
-            <a:ext cx="174540" cy="1"/>
-          </a:xfrm>
-          <a:prstGeom prst="line">
-            <a:avLst/>
-          </a:prstGeom>
-          <a:ln>
-            <a:solidFill>
-              <a:schemeClr val="tx1"/>
-            </a:solidFill>
-          </a:ln>
-          <a:effectLst/>
-        </p:spPr>
-        <p:style>
-          <a:lnRef idx="2">
-            <a:schemeClr val="accent1"/>
-          </a:lnRef>
-          <a:fillRef idx="0">
-            <a:schemeClr val="accent1"/>
-          </a:fillRef>
-          <a:effectRef idx="1">
-            <a:schemeClr val="accent1"/>
-          </a:effectRef>
-          <a:fontRef idx="minor">
-            <a:schemeClr val="tx1"/>
-          </a:fontRef>
-        </p:style>
-      </p:cxnSp>
-      <p:cxnSp>
-        <p:nvCxnSpPr>
           <p:cNvPr id="160" name="直線コネクタ 159"/>
           <p:cNvCxnSpPr/>
           <p:nvPr/>
@@ -6977,8 +6946,8 @@
         </p:nvCxnSpPr>
         <p:spPr>
           <a:xfrm flipH="1">
-            <a:off x="3346962" y="3756371"/>
-            <a:ext cx="101344" cy="0"/>
+            <a:off x="3343377" y="3756371"/>
+            <a:ext cx="140644" cy="0"/>
           </a:xfrm>
           <a:prstGeom prst="line">
             <a:avLst/>
@@ -7049,8 +7018,8 @@
         </p:nvCxnSpPr>
         <p:spPr>
           <a:xfrm flipH="1">
-            <a:off x="3342026" y="2839304"/>
-            <a:ext cx="101344" cy="0"/>
+            <a:off x="3338615" y="2839304"/>
+            <a:ext cx="135708" cy="0"/>
           </a:xfrm>
           <a:prstGeom prst="line">
             <a:avLst/>
@@ -7347,8 +7316,8 @@
         </p:nvCxnSpPr>
         <p:spPr>
           <a:xfrm flipH="1">
-            <a:off x="3337249" y="1925495"/>
-            <a:ext cx="101344" cy="0"/>
+            <a:off x="3334869" y="1925495"/>
+            <a:ext cx="139439" cy="0"/>
           </a:xfrm>
           <a:prstGeom prst="line">
             <a:avLst/>
@@ -8072,6 +8041,42 @@
           </a:p>
         </p:txBody>
       </p:sp>
+      <p:cxnSp>
+        <p:nvCxnSpPr>
+          <p:cNvPr id="137" name="直線コネクタ 136"/>
+          <p:cNvCxnSpPr/>
+          <p:nvPr/>
+        </p:nvCxnSpPr>
+        <p:spPr>
+          <a:xfrm flipH="1" flipV="1">
+            <a:off x="3271056" y="3857322"/>
+            <a:ext cx="209773" cy="329"/>
+          </a:xfrm>
+          <a:prstGeom prst="line">
+            <a:avLst/>
+          </a:prstGeom>
+          <a:ln>
+            <a:solidFill>
+              <a:schemeClr val="tx1"/>
+            </a:solidFill>
+          </a:ln>
+          <a:effectLst/>
+        </p:spPr>
+        <p:style>
+          <a:lnRef idx="2">
+            <a:schemeClr val="accent1"/>
+          </a:lnRef>
+          <a:fillRef idx="0">
+            <a:schemeClr val="accent1"/>
+          </a:fillRef>
+          <a:effectRef idx="1">
+            <a:schemeClr val="accent1"/>
+          </a:effectRef>
+          <a:fontRef idx="minor">
+            <a:schemeClr val="tx1"/>
+          </a:fontRef>
+        </p:style>
+      </p:cxnSp>
     </p:spTree>
     <p:extLst>
       <p:ext uri="{BB962C8B-B14F-4D97-AF65-F5344CB8AC3E}">

--- a/articles/201603/pc.pptx
+++ b/articles/201603/pc.pptx
@@ -6,6 +6,7 @@
   </p:sldMasterIdLst>
   <p:sldIdLst>
     <p:sldId id="256" r:id="rId2"/>
+    <p:sldId id="257" r:id="rId3"/>
   </p:sldIdLst>
   <p:sldSz cx="9144000" cy="6858000" type="screen4x3"/>
   <p:notesSz cx="6858000" cy="9144000"/>
@@ -106,7 +107,7 @@
   </p:defaultTextStyle>
   <p:extLst>
     <p:ext uri="{EFAFB233-063F-42B5-8137-9DF3F51BA10A}">
-      <p15:sldGuideLst xmlns:p15="http://schemas.microsoft.com/office/powerpoint/2012/main"/>
+      <p15:sldGuideLst xmlns:p15="http://schemas.microsoft.com/office/powerpoint/2012/main" xmlns=""/>
     </p:ext>
   </p:extLst>
 </p:presentation>
@@ -243,7 +244,7 @@
           <a:p>
             <a:fld id="{033975EB-D72D-4A87-B56A-E6A64515DECD}" type="datetimeFigureOut">
               <a:rPr kumimoji="1" lang="ja-JP" altLang="en-US" smtClean="0"/>
-              <a:t>2016/3/15</a:t>
+              <a:t>4/9/16</a:t>
             </a:fld>
             <a:endParaRPr kumimoji="1" lang="ja-JP" altLang="en-US"/>
           </a:p>
@@ -445,7 +446,7 @@
           <a:p>
             <a:fld id="{033975EB-D72D-4A87-B56A-E6A64515DECD}" type="datetimeFigureOut">
               <a:rPr kumimoji="1" lang="ja-JP" altLang="en-US" smtClean="0"/>
-              <a:t>2016/3/15</a:t>
+              <a:t>4/9/16</a:t>
             </a:fld>
             <a:endParaRPr kumimoji="1" lang="ja-JP" altLang="en-US"/>
           </a:p>
@@ -657,7 +658,7 @@
           <a:p>
             <a:fld id="{033975EB-D72D-4A87-B56A-E6A64515DECD}" type="datetimeFigureOut">
               <a:rPr kumimoji="1" lang="ja-JP" altLang="en-US" smtClean="0"/>
-              <a:t>2016/3/15</a:t>
+              <a:t>4/9/16</a:t>
             </a:fld>
             <a:endParaRPr kumimoji="1" lang="ja-JP" altLang="en-US"/>
           </a:p>
@@ -859,7 +860,7 @@
           <a:p>
             <a:fld id="{033975EB-D72D-4A87-B56A-E6A64515DECD}" type="datetimeFigureOut">
               <a:rPr kumimoji="1" lang="ja-JP" altLang="en-US" smtClean="0"/>
-              <a:t>2016/3/15</a:t>
+              <a:t>4/9/16</a:t>
             </a:fld>
             <a:endParaRPr kumimoji="1" lang="ja-JP" altLang="en-US"/>
           </a:p>
@@ -1103,7 +1104,7 @@
           <a:p>
             <a:fld id="{033975EB-D72D-4A87-B56A-E6A64515DECD}" type="datetimeFigureOut">
               <a:rPr kumimoji="1" lang="ja-JP" altLang="en-US" smtClean="0"/>
-              <a:t>2016/3/15</a:t>
+              <a:t>4/9/16</a:t>
             </a:fld>
             <a:endParaRPr kumimoji="1" lang="ja-JP" altLang="en-US"/>
           </a:p>
@@ -1399,7 +1400,7 @@
           <a:p>
             <a:fld id="{033975EB-D72D-4A87-B56A-E6A64515DECD}" type="datetimeFigureOut">
               <a:rPr kumimoji="1" lang="ja-JP" altLang="en-US" smtClean="0"/>
-              <a:t>2016/3/15</a:t>
+              <a:t>4/9/16</a:t>
             </a:fld>
             <a:endParaRPr kumimoji="1" lang="ja-JP" altLang="en-US"/>
           </a:p>
@@ -1830,7 +1831,7 @@
           <a:p>
             <a:fld id="{033975EB-D72D-4A87-B56A-E6A64515DECD}" type="datetimeFigureOut">
               <a:rPr kumimoji="1" lang="ja-JP" altLang="en-US" smtClean="0"/>
-              <a:t>2016/3/15</a:t>
+              <a:t>4/9/16</a:t>
             </a:fld>
             <a:endParaRPr kumimoji="1" lang="ja-JP" altLang="en-US"/>
           </a:p>
@@ -1948,7 +1949,7 @@
           <a:p>
             <a:fld id="{033975EB-D72D-4A87-B56A-E6A64515DECD}" type="datetimeFigureOut">
               <a:rPr kumimoji="1" lang="ja-JP" altLang="en-US" smtClean="0"/>
-              <a:t>2016/3/15</a:t>
+              <a:t>4/9/16</a:t>
             </a:fld>
             <a:endParaRPr kumimoji="1" lang="ja-JP" altLang="en-US"/>
           </a:p>
@@ -2043,7 +2044,7 @@
           <a:p>
             <a:fld id="{033975EB-D72D-4A87-B56A-E6A64515DECD}" type="datetimeFigureOut">
               <a:rPr kumimoji="1" lang="ja-JP" altLang="en-US" smtClean="0"/>
-              <a:t>2016/3/15</a:t>
+              <a:t>4/9/16</a:t>
             </a:fld>
             <a:endParaRPr kumimoji="1" lang="ja-JP" altLang="en-US"/>
           </a:p>
@@ -2352,7 +2353,7 @@
           <a:p>
             <a:fld id="{033975EB-D72D-4A87-B56A-E6A64515DECD}" type="datetimeFigureOut">
               <a:rPr kumimoji="1" lang="ja-JP" altLang="en-US" smtClean="0"/>
-              <a:t>2016/3/15</a:t>
+              <a:t>4/9/16</a:t>
             </a:fld>
             <a:endParaRPr kumimoji="1" lang="ja-JP" altLang="en-US"/>
           </a:p>
@@ -2609,7 +2610,7 @@
           <a:p>
             <a:fld id="{033975EB-D72D-4A87-B56A-E6A64515DECD}" type="datetimeFigureOut">
               <a:rPr kumimoji="1" lang="ja-JP" altLang="en-US" smtClean="0"/>
-              <a:t>2016/3/15</a:t>
+              <a:t>4/9/16</a:t>
             </a:fld>
             <a:endParaRPr kumimoji="1" lang="ja-JP" altLang="en-US"/>
           </a:p>
@@ -2854,7 +2855,7 @@
           <a:p>
             <a:fld id="{033975EB-D72D-4A87-B56A-E6A64515DECD}" type="datetimeFigureOut">
               <a:rPr kumimoji="1" lang="ja-JP" altLang="en-US" smtClean="0"/>
-              <a:t>2016/3/15</a:t>
+              <a:t>4/9/16</a:t>
             </a:fld>
             <a:endParaRPr kumimoji="1" lang="ja-JP" altLang="en-US"/>
           </a:p>
@@ -8090,6 +8091,2310 @@
 </p:sld>
 </file>
 
+<file path=ppt/slides/slide2.xml><?xml version="1.0" encoding="utf-8"?>
+<p:sld xmlns:a="http://schemas.openxmlformats.org/drawingml/2006/main" xmlns:r="http://schemas.openxmlformats.org/officeDocument/2006/relationships" xmlns:p="http://schemas.openxmlformats.org/presentationml/2006/main">
+  <p:cSld>
+    <p:spTree>
+      <p:nvGrpSpPr>
+        <p:cNvPr id="1" name=""/>
+        <p:cNvGrpSpPr/>
+        <p:nvPr/>
+      </p:nvGrpSpPr>
+      <p:grpSpPr>
+        <a:xfrm>
+          <a:off x="0" y="0"/>
+          <a:ext cx="0" cy="0"/>
+          <a:chOff x="0" y="0"/>
+          <a:chExt cx="0" cy="0"/>
+        </a:xfrm>
+      </p:grpSpPr>
+      <p:sp>
+        <p:nvSpPr>
+          <p:cNvPr id="4" name="タイトル 3"/>
+          <p:cNvSpPr>
+            <a:spLocks noGrp="1"/>
+          </p:cNvSpPr>
+          <p:nvPr>
+            <p:ph type="title"/>
+          </p:nvPr>
+        </p:nvSpPr>
+        <p:spPr/>
+        <p:txBody>
+          <a:bodyPr/>
+          <a:lstStyle/>
+          <a:p>
+            <a:r>
+              <a:rPr kumimoji="1" lang="en-US" altLang="ja-JP" dirty="0" smtClean="0"/>
+              <a:t>Adder</a:t>
+            </a:r>
+            <a:endParaRPr kumimoji="1" lang="ja-JP" altLang="en-US" dirty="0"/>
+          </a:p>
+        </p:txBody>
+      </p:sp>
+      <p:sp>
+        <p:nvSpPr>
+          <p:cNvPr id="20" name="正方形/長方形 19"/>
+          <p:cNvSpPr/>
+          <p:nvPr/>
+        </p:nvSpPr>
+        <p:spPr>
+          <a:xfrm>
+            <a:off x="1597660" y="1948814"/>
+            <a:ext cx="1386840" cy="908685"/>
+          </a:xfrm>
+          <a:prstGeom prst="rect">
+            <a:avLst/>
+          </a:prstGeom>
+        </p:spPr>
+        <p:style>
+          <a:lnRef idx="2">
+            <a:schemeClr val="dk1"/>
+          </a:lnRef>
+          <a:fillRef idx="1">
+            <a:schemeClr val="lt1"/>
+          </a:fillRef>
+          <a:effectRef idx="0">
+            <a:schemeClr val="dk1"/>
+          </a:effectRef>
+          <a:fontRef idx="minor">
+            <a:schemeClr val="dk1"/>
+          </a:fontRef>
+        </p:style>
+        <p:txBody>
+          <a:bodyPr rtlCol="0" anchor="ctr"/>
+          <a:lstStyle/>
+          <a:p>
+            <a:pPr algn="ctr"/>
+            <a:r>
+              <a:rPr kumimoji="1" lang="en-US" altLang="ja-JP" dirty="0" smtClean="0"/>
+              <a:t>Full</a:t>
+            </a:r>
+          </a:p>
+          <a:p>
+            <a:pPr algn="ctr"/>
+            <a:r>
+              <a:rPr lang="en-US" altLang="ja-JP" dirty="0" smtClean="0"/>
+              <a:t>Adder</a:t>
+            </a:r>
+            <a:endParaRPr kumimoji="1" lang="ja-JP" altLang="en-US" dirty="0"/>
+          </a:p>
+        </p:txBody>
+      </p:sp>
+      <p:cxnSp>
+        <p:nvCxnSpPr>
+          <p:cNvPr id="21" name="直線コネクタ 20"/>
+          <p:cNvCxnSpPr/>
+          <p:nvPr/>
+        </p:nvCxnSpPr>
+        <p:spPr>
+          <a:xfrm>
+            <a:off x="2977727" y="2151380"/>
+            <a:ext cx="681990" cy="0"/>
+          </a:xfrm>
+          <a:prstGeom prst="line">
+            <a:avLst/>
+          </a:prstGeom>
+          <a:ln>
+            <a:solidFill>
+              <a:schemeClr val="tx1"/>
+            </a:solidFill>
+          </a:ln>
+          <a:effectLst/>
+        </p:spPr>
+        <p:style>
+          <a:lnRef idx="2">
+            <a:schemeClr val="accent1"/>
+          </a:lnRef>
+          <a:fillRef idx="0">
+            <a:schemeClr val="accent1"/>
+          </a:fillRef>
+          <a:effectRef idx="1">
+            <a:schemeClr val="accent1"/>
+          </a:effectRef>
+          <a:fontRef idx="minor">
+            <a:schemeClr val="tx1"/>
+          </a:fontRef>
+        </p:style>
+      </p:cxnSp>
+      <p:sp>
+        <p:nvSpPr>
+          <p:cNvPr id="22" name="テキスト ボックス 21"/>
+          <p:cNvSpPr txBox="1"/>
+          <p:nvPr/>
+        </p:nvSpPr>
+        <p:spPr>
+          <a:xfrm>
+            <a:off x="3638035" y="1987480"/>
+            <a:ext cx="300195" cy="276999"/>
+          </a:xfrm>
+          <a:prstGeom prst="rect">
+            <a:avLst/>
+          </a:prstGeom>
+          <a:noFill/>
+        </p:spPr>
+        <p:txBody>
+          <a:bodyPr wrap="none" rtlCol="0">
+            <a:spAutoFit/>
+          </a:bodyPr>
+          <a:lstStyle/>
+          <a:p>
+            <a:r>
+              <a:rPr lang="en-US" altLang="ja-JP" sz="1200" i="1" dirty="0" smtClean="0">
+                <a:latin typeface="Book Antiqua"/>
+                <a:cs typeface="Book Antiqua"/>
+              </a:rPr>
+              <a:t>S</a:t>
+            </a:r>
+            <a:endParaRPr kumimoji="1" lang="ja-JP" altLang="en-US" sz="1200" i="1" baseline="-25000" dirty="0">
+              <a:latin typeface="Book Antiqua"/>
+              <a:cs typeface="Book Antiqua"/>
+            </a:endParaRPr>
+          </a:p>
+        </p:txBody>
+      </p:sp>
+      <p:cxnSp>
+        <p:nvCxnSpPr>
+          <p:cNvPr id="24" name="直線コネクタ 23"/>
+          <p:cNvCxnSpPr/>
+          <p:nvPr/>
+        </p:nvCxnSpPr>
+        <p:spPr>
+          <a:xfrm>
+            <a:off x="2986193" y="2659380"/>
+            <a:ext cx="681990" cy="0"/>
+          </a:xfrm>
+          <a:prstGeom prst="line">
+            <a:avLst/>
+          </a:prstGeom>
+          <a:ln>
+            <a:solidFill>
+              <a:schemeClr val="tx1"/>
+            </a:solidFill>
+          </a:ln>
+          <a:effectLst/>
+        </p:spPr>
+        <p:style>
+          <a:lnRef idx="2">
+            <a:schemeClr val="accent1"/>
+          </a:lnRef>
+          <a:fillRef idx="0">
+            <a:schemeClr val="accent1"/>
+          </a:fillRef>
+          <a:effectRef idx="1">
+            <a:schemeClr val="accent1"/>
+          </a:effectRef>
+          <a:fontRef idx="minor">
+            <a:schemeClr val="tx1"/>
+          </a:fontRef>
+        </p:style>
+      </p:cxnSp>
+      <p:cxnSp>
+        <p:nvCxnSpPr>
+          <p:cNvPr id="25" name="直線コネクタ 24"/>
+          <p:cNvCxnSpPr/>
+          <p:nvPr/>
+        </p:nvCxnSpPr>
+        <p:spPr>
+          <a:xfrm>
+            <a:off x="911860" y="2125980"/>
+            <a:ext cx="681990" cy="0"/>
+          </a:xfrm>
+          <a:prstGeom prst="line">
+            <a:avLst/>
+          </a:prstGeom>
+          <a:ln>
+            <a:solidFill>
+              <a:schemeClr val="tx1"/>
+            </a:solidFill>
+          </a:ln>
+          <a:effectLst/>
+        </p:spPr>
+        <p:style>
+          <a:lnRef idx="2">
+            <a:schemeClr val="accent1"/>
+          </a:lnRef>
+          <a:fillRef idx="0">
+            <a:schemeClr val="accent1"/>
+          </a:fillRef>
+          <a:effectRef idx="1">
+            <a:schemeClr val="accent1"/>
+          </a:effectRef>
+          <a:fontRef idx="minor">
+            <a:schemeClr val="tx1"/>
+          </a:fontRef>
+        </p:style>
+      </p:cxnSp>
+      <p:cxnSp>
+        <p:nvCxnSpPr>
+          <p:cNvPr id="26" name="直線コネクタ 25"/>
+          <p:cNvCxnSpPr/>
+          <p:nvPr/>
+        </p:nvCxnSpPr>
+        <p:spPr>
+          <a:xfrm>
+            <a:off x="920327" y="2659380"/>
+            <a:ext cx="681990" cy="0"/>
+          </a:xfrm>
+          <a:prstGeom prst="line">
+            <a:avLst/>
+          </a:prstGeom>
+          <a:ln>
+            <a:solidFill>
+              <a:schemeClr val="tx1"/>
+            </a:solidFill>
+          </a:ln>
+          <a:effectLst/>
+        </p:spPr>
+        <p:style>
+          <a:lnRef idx="2">
+            <a:schemeClr val="accent1"/>
+          </a:lnRef>
+          <a:fillRef idx="0">
+            <a:schemeClr val="accent1"/>
+          </a:fillRef>
+          <a:effectRef idx="1">
+            <a:schemeClr val="accent1"/>
+          </a:effectRef>
+          <a:fontRef idx="minor">
+            <a:schemeClr val="tx1"/>
+          </a:fontRef>
+        </p:style>
+      </p:cxnSp>
+      <p:cxnSp>
+        <p:nvCxnSpPr>
+          <p:cNvPr id="27" name="直線コネクタ 26"/>
+          <p:cNvCxnSpPr/>
+          <p:nvPr/>
+        </p:nvCxnSpPr>
+        <p:spPr>
+          <a:xfrm>
+            <a:off x="920326" y="2396914"/>
+            <a:ext cx="681990" cy="0"/>
+          </a:xfrm>
+          <a:prstGeom prst="line">
+            <a:avLst/>
+          </a:prstGeom>
+          <a:ln>
+            <a:solidFill>
+              <a:schemeClr val="tx1"/>
+            </a:solidFill>
+          </a:ln>
+          <a:effectLst/>
+        </p:spPr>
+        <p:style>
+          <a:lnRef idx="2">
+            <a:schemeClr val="accent1"/>
+          </a:lnRef>
+          <a:fillRef idx="0">
+            <a:schemeClr val="accent1"/>
+          </a:fillRef>
+          <a:effectRef idx="1">
+            <a:schemeClr val="accent1"/>
+          </a:effectRef>
+          <a:fontRef idx="minor">
+            <a:schemeClr val="tx1"/>
+          </a:fontRef>
+        </p:style>
+      </p:cxnSp>
+      <p:sp>
+        <p:nvSpPr>
+          <p:cNvPr id="28" name="テキスト ボックス 27"/>
+          <p:cNvSpPr txBox="1"/>
+          <p:nvPr/>
+        </p:nvSpPr>
+        <p:spPr>
+          <a:xfrm>
+            <a:off x="623901" y="1936680"/>
+            <a:ext cx="344720" cy="276999"/>
+          </a:xfrm>
+          <a:prstGeom prst="rect">
+            <a:avLst/>
+          </a:prstGeom>
+          <a:noFill/>
+        </p:spPr>
+        <p:txBody>
+          <a:bodyPr wrap="none" rtlCol="0">
+            <a:spAutoFit/>
+          </a:bodyPr>
+          <a:lstStyle/>
+          <a:p>
+            <a:r>
+              <a:rPr lang="en-US" altLang="ja-JP" sz="1200" i="1" dirty="0" err="1" smtClean="0">
+                <a:latin typeface="Book Antiqua"/>
+                <a:cs typeface="Book Antiqua"/>
+              </a:rPr>
+              <a:t>C</a:t>
+            </a:r>
+            <a:r>
+              <a:rPr lang="en-US" altLang="ja-JP" sz="1200" i="1" baseline="-25000" dirty="0" err="1" smtClean="0">
+                <a:latin typeface="Book Antiqua"/>
+                <a:cs typeface="Book Antiqua"/>
+              </a:rPr>
+              <a:t>i</a:t>
+            </a:r>
+            <a:endParaRPr kumimoji="1" lang="ja-JP" altLang="en-US" sz="1200" i="1" baseline="-25000" dirty="0">
+              <a:latin typeface="Book Antiqua"/>
+              <a:cs typeface="Book Antiqua"/>
+            </a:endParaRPr>
+          </a:p>
+        </p:txBody>
+      </p:sp>
+      <p:sp>
+        <p:nvSpPr>
+          <p:cNvPr id="29" name="テキスト ボックス 28"/>
+          <p:cNvSpPr txBox="1"/>
+          <p:nvPr/>
+        </p:nvSpPr>
+        <p:spPr>
+          <a:xfrm>
+            <a:off x="632368" y="2241481"/>
+            <a:ext cx="325743" cy="276999"/>
+          </a:xfrm>
+          <a:prstGeom prst="rect">
+            <a:avLst/>
+          </a:prstGeom>
+          <a:noFill/>
+        </p:spPr>
+        <p:txBody>
+          <a:bodyPr wrap="none" rtlCol="0">
+            <a:spAutoFit/>
+          </a:bodyPr>
+          <a:lstStyle/>
+          <a:p>
+            <a:r>
+              <a:rPr lang="en-US" altLang="ja-JP" sz="1200" i="1" dirty="0" smtClean="0">
+                <a:latin typeface="Book Antiqua"/>
+                <a:cs typeface="Book Antiqua"/>
+              </a:rPr>
+              <a:t>A</a:t>
+            </a:r>
+            <a:endParaRPr kumimoji="1" lang="ja-JP" altLang="en-US" sz="1200" i="1" baseline="-25000" dirty="0">
+              <a:latin typeface="Book Antiqua"/>
+              <a:cs typeface="Book Antiqua"/>
+            </a:endParaRPr>
+          </a:p>
+        </p:txBody>
+      </p:sp>
+      <p:sp>
+        <p:nvSpPr>
+          <p:cNvPr id="30" name="テキスト ボックス 29"/>
+          <p:cNvSpPr txBox="1"/>
+          <p:nvPr/>
+        </p:nvSpPr>
+        <p:spPr>
+          <a:xfrm>
+            <a:off x="649301" y="2512414"/>
+            <a:ext cx="308611" cy="276999"/>
+          </a:xfrm>
+          <a:prstGeom prst="rect">
+            <a:avLst/>
+          </a:prstGeom>
+          <a:noFill/>
+        </p:spPr>
+        <p:txBody>
+          <a:bodyPr wrap="none" rtlCol="0">
+            <a:spAutoFit/>
+          </a:bodyPr>
+          <a:lstStyle/>
+          <a:p>
+            <a:r>
+              <a:rPr lang="en-US" altLang="ja-JP" sz="1200" i="1" dirty="0" smtClean="0">
+                <a:latin typeface="Book Antiqua"/>
+                <a:cs typeface="Book Antiqua"/>
+              </a:rPr>
+              <a:t>B</a:t>
+            </a:r>
+            <a:endParaRPr kumimoji="1" lang="ja-JP" altLang="en-US" sz="1200" i="1" baseline="-25000" dirty="0">
+              <a:latin typeface="Book Antiqua"/>
+              <a:cs typeface="Book Antiqua"/>
+            </a:endParaRPr>
+          </a:p>
+        </p:txBody>
+      </p:sp>
+      <p:sp>
+        <p:nvSpPr>
+          <p:cNvPr id="31" name="テキスト ボックス 30"/>
+          <p:cNvSpPr txBox="1"/>
+          <p:nvPr/>
+        </p:nvSpPr>
+        <p:spPr>
+          <a:xfrm>
+            <a:off x="3629568" y="2495480"/>
+            <a:ext cx="317252" cy="276999"/>
+          </a:xfrm>
+          <a:prstGeom prst="rect">
+            <a:avLst/>
+          </a:prstGeom>
+          <a:noFill/>
+        </p:spPr>
+        <p:txBody>
+          <a:bodyPr wrap="none" rtlCol="0">
+            <a:spAutoFit/>
+          </a:bodyPr>
+          <a:lstStyle/>
+          <a:p>
+            <a:r>
+              <a:rPr lang="en-US" altLang="ja-JP" sz="1200" i="1" dirty="0" smtClean="0">
+                <a:latin typeface="Book Antiqua"/>
+                <a:cs typeface="Book Antiqua"/>
+              </a:rPr>
+              <a:t>C</a:t>
+            </a:r>
+            <a:endParaRPr kumimoji="1" lang="ja-JP" altLang="en-US" sz="1200" i="1" baseline="-25000" dirty="0">
+              <a:latin typeface="Book Antiqua"/>
+              <a:cs typeface="Book Antiqua"/>
+            </a:endParaRPr>
+          </a:p>
+        </p:txBody>
+      </p:sp>
+      <p:sp>
+        <p:nvSpPr>
+          <p:cNvPr id="32" name="正方形/長方形 31"/>
+          <p:cNvSpPr/>
+          <p:nvPr/>
+        </p:nvSpPr>
+        <p:spPr>
+          <a:xfrm>
+            <a:off x="5979160" y="1339214"/>
+            <a:ext cx="1386840" cy="908685"/>
+          </a:xfrm>
+          <a:prstGeom prst="rect">
+            <a:avLst/>
+          </a:prstGeom>
+        </p:spPr>
+        <p:style>
+          <a:lnRef idx="2">
+            <a:schemeClr val="dk1"/>
+          </a:lnRef>
+          <a:fillRef idx="1">
+            <a:schemeClr val="lt1"/>
+          </a:fillRef>
+          <a:effectRef idx="0">
+            <a:schemeClr val="dk1"/>
+          </a:effectRef>
+          <a:fontRef idx="minor">
+            <a:schemeClr val="dk1"/>
+          </a:fontRef>
+        </p:style>
+        <p:txBody>
+          <a:bodyPr rtlCol="0" anchor="ctr"/>
+          <a:lstStyle/>
+          <a:p>
+            <a:pPr algn="ctr"/>
+            <a:r>
+              <a:rPr kumimoji="1" lang="en-US" altLang="ja-JP" dirty="0" smtClean="0"/>
+              <a:t>Full</a:t>
+            </a:r>
+          </a:p>
+          <a:p>
+            <a:pPr algn="ctr"/>
+            <a:r>
+              <a:rPr lang="en-US" altLang="ja-JP" dirty="0" smtClean="0"/>
+              <a:t>Adder</a:t>
+            </a:r>
+            <a:endParaRPr kumimoji="1" lang="ja-JP" altLang="en-US" dirty="0"/>
+          </a:p>
+        </p:txBody>
+      </p:sp>
+      <p:cxnSp>
+        <p:nvCxnSpPr>
+          <p:cNvPr id="33" name="直線コネクタ 32"/>
+          <p:cNvCxnSpPr/>
+          <p:nvPr/>
+        </p:nvCxnSpPr>
+        <p:spPr>
+          <a:xfrm>
+            <a:off x="7359227" y="1541780"/>
+            <a:ext cx="681990" cy="0"/>
+          </a:xfrm>
+          <a:prstGeom prst="line">
+            <a:avLst/>
+          </a:prstGeom>
+          <a:ln>
+            <a:solidFill>
+              <a:schemeClr val="tx1"/>
+            </a:solidFill>
+          </a:ln>
+          <a:effectLst/>
+        </p:spPr>
+        <p:style>
+          <a:lnRef idx="2">
+            <a:schemeClr val="accent1"/>
+          </a:lnRef>
+          <a:fillRef idx="0">
+            <a:schemeClr val="accent1"/>
+          </a:fillRef>
+          <a:effectRef idx="1">
+            <a:schemeClr val="accent1"/>
+          </a:effectRef>
+          <a:fontRef idx="minor">
+            <a:schemeClr val="tx1"/>
+          </a:fontRef>
+        </p:style>
+      </p:cxnSp>
+      <p:sp>
+        <p:nvSpPr>
+          <p:cNvPr id="34" name="テキスト ボックス 33"/>
+          <p:cNvSpPr txBox="1"/>
+          <p:nvPr/>
+        </p:nvSpPr>
+        <p:spPr>
+          <a:xfrm>
+            <a:off x="8019535" y="1377880"/>
+            <a:ext cx="350456" cy="276999"/>
+          </a:xfrm>
+          <a:prstGeom prst="rect">
+            <a:avLst/>
+          </a:prstGeom>
+          <a:noFill/>
+        </p:spPr>
+        <p:txBody>
+          <a:bodyPr wrap="none" rtlCol="0">
+            <a:spAutoFit/>
+          </a:bodyPr>
+          <a:lstStyle/>
+          <a:p>
+            <a:r>
+              <a:rPr lang="en-US" altLang="ja-JP" sz="1200" i="1" dirty="0" smtClean="0">
+                <a:latin typeface="Book Antiqua"/>
+                <a:cs typeface="Book Antiqua"/>
+              </a:rPr>
+              <a:t>S</a:t>
+            </a:r>
+            <a:r>
+              <a:rPr lang="en-US" altLang="ja-JP" sz="1200" i="1" baseline="-25000" dirty="0" smtClean="0">
+                <a:latin typeface="Book Antiqua"/>
+                <a:cs typeface="Book Antiqua"/>
+              </a:rPr>
+              <a:t>0</a:t>
+            </a:r>
+            <a:endParaRPr kumimoji="1" lang="ja-JP" altLang="en-US" sz="1200" i="1" baseline="-25000" dirty="0">
+              <a:latin typeface="Book Antiqua"/>
+              <a:cs typeface="Book Antiqua"/>
+            </a:endParaRPr>
+          </a:p>
+        </p:txBody>
+      </p:sp>
+      <p:cxnSp>
+        <p:nvCxnSpPr>
+          <p:cNvPr id="35" name="直線コネクタ 34"/>
+          <p:cNvCxnSpPr/>
+          <p:nvPr/>
+        </p:nvCxnSpPr>
+        <p:spPr>
+          <a:xfrm>
+            <a:off x="7367693" y="2049780"/>
+            <a:ext cx="417407" cy="1270"/>
+          </a:xfrm>
+          <a:prstGeom prst="line">
+            <a:avLst/>
+          </a:prstGeom>
+          <a:ln>
+            <a:solidFill>
+              <a:schemeClr val="tx1"/>
+            </a:solidFill>
+          </a:ln>
+          <a:effectLst/>
+        </p:spPr>
+        <p:style>
+          <a:lnRef idx="2">
+            <a:schemeClr val="accent1"/>
+          </a:lnRef>
+          <a:fillRef idx="0">
+            <a:schemeClr val="accent1"/>
+          </a:fillRef>
+          <a:effectRef idx="1">
+            <a:schemeClr val="accent1"/>
+          </a:effectRef>
+          <a:fontRef idx="minor">
+            <a:schemeClr val="tx1"/>
+          </a:fontRef>
+        </p:style>
+      </p:cxnSp>
+      <p:cxnSp>
+        <p:nvCxnSpPr>
+          <p:cNvPr id="36" name="直線コネクタ 35"/>
+          <p:cNvCxnSpPr/>
+          <p:nvPr/>
+        </p:nvCxnSpPr>
+        <p:spPr>
+          <a:xfrm>
+            <a:off x="5293360" y="1516380"/>
+            <a:ext cx="681990" cy="0"/>
+          </a:xfrm>
+          <a:prstGeom prst="line">
+            <a:avLst/>
+          </a:prstGeom>
+          <a:ln>
+            <a:solidFill>
+              <a:schemeClr val="tx1"/>
+            </a:solidFill>
+          </a:ln>
+          <a:effectLst/>
+        </p:spPr>
+        <p:style>
+          <a:lnRef idx="2">
+            <a:schemeClr val="accent1"/>
+          </a:lnRef>
+          <a:fillRef idx="0">
+            <a:schemeClr val="accent1"/>
+          </a:fillRef>
+          <a:effectRef idx="1">
+            <a:schemeClr val="accent1"/>
+          </a:effectRef>
+          <a:fontRef idx="minor">
+            <a:schemeClr val="tx1"/>
+          </a:fontRef>
+        </p:style>
+      </p:cxnSp>
+      <p:cxnSp>
+        <p:nvCxnSpPr>
+          <p:cNvPr id="37" name="直線コネクタ 36"/>
+          <p:cNvCxnSpPr/>
+          <p:nvPr/>
+        </p:nvCxnSpPr>
+        <p:spPr>
+          <a:xfrm>
+            <a:off x="5301827" y="2049780"/>
+            <a:ext cx="681990" cy="0"/>
+          </a:xfrm>
+          <a:prstGeom prst="line">
+            <a:avLst/>
+          </a:prstGeom>
+          <a:ln>
+            <a:solidFill>
+              <a:schemeClr val="tx1"/>
+            </a:solidFill>
+          </a:ln>
+          <a:effectLst/>
+        </p:spPr>
+        <p:style>
+          <a:lnRef idx="2">
+            <a:schemeClr val="accent1"/>
+          </a:lnRef>
+          <a:fillRef idx="0">
+            <a:schemeClr val="accent1"/>
+          </a:fillRef>
+          <a:effectRef idx="1">
+            <a:schemeClr val="accent1"/>
+          </a:effectRef>
+          <a:fontRef idx="minor">
+            <a:schemeClr val="tx1"/>
+          </a:fontRef>
+        </p:style>
+      </p:cxnSp>
+      <p:cxnSp>
+        <p:nvCxnSpPr>
+          <p:cNvPr id="38" name="直線コネクタ 37"/>
+          <p:cNvCxnSpPr/>
+          <p:nvPr/>
+        </p:nvCxnSpPr>
+        <p:spPr>
+          <a:xfrm>
+            <a:off x="5301826" y="1787314"/>
+            <a:ext cx="681990" cy="0"/>
+          </a:xfrm>
+          <a:prstGeom prst="line">
+            <a:avLst/>
+          </a:prstGeom>
+          <a:ln>
+            <a:solidFill>
+              <a:schemeClr val="tx1"/>
+            </a:solidFill>
+          </a:ln>
+          <a:effectLst/>
+        </p:spPr>
+        <p:style>
+          <a:lnRef idx="2">
+            <a:schemeClr val="accent1"/>
+          </a:lnRef>
+          <a:fillRef idx="0">
+            <a:schemeClr val="accent1"/>
+          </a:fillRef>
+          <a:effectRef idx="1">
+            <a:schemeClr val="accent1"/>
+          </a:effectRef>
+          <a:fontRef idx="minor">
+            <a:schemeClr val="tx1"/>
+          </a:fontRef>
+        </p:style>
+      </p:cxnSp>
+      <p:sp>
+        <p:nvSpPr>
+          <p:cNvPr id="39" name="テキスト ボックス 38"/>
+          <p:cNvSpPr txBox="1"/>
+          <p:nvPr/>
+        </p:nvSpPr>
+        <p:spPr>
+          <a:xfrm>
+            <a:off x="5005401" y="1327080"/>
+            <a:ext cx="344720" cy="276999"/>
+          </a:xfrm>
+          <a:prstGeom prst="rect">
+            <a:avLst/>
+          </a:prstGeom>
+          <a:noFill/>
+        </p:spPr>
+        <p:txBody>
+          <a:bodyPr wrap="none" rtlCol="0">
+            <a:spAutoFit/>
+          </a:bodyPr>
+          <a:lstStyle/>
+          <a:p>
+            <a:r>
+              <a:rPr lang="en-US" altLang="ja-JP" sz="1200" i="1" dirty="0" err="1" smtClean="0">
+                <a:latin typeface="Book Antiqua"/>
+                <a:cs typeface="Book Antiqua"/>
+              </a:rPr>
+              <a:t>C</a:t>
+            </a:r>
+            <a:r>
+              <a:rPr lang="en-US" altLang="ja-JP" sz="1200" i="1" baseline="-25000" dirty="0" err="1" smtClean="0">
+                <a:latin typeface="Book Antiqua"/>
+                <a:cs typeface="Book Antiqua"/>
+              </a:rPr>
+              <a:t>i</a:t>
+            </a:r>
+            <a:endParaRPr kumimoji="1" lang="ja-JP" altLang="en-US" sz="1200" i="1" baseline="-25000" dirty="0">
+              <a:latin typeface="Book Antiqua"/>
+              <a:cs typeface="Book Antiqua"/>
+            </a:endParaRPr>
+          </a:p>
+        </p:txBody>
+      </p:sp>
+      <p:sp>
+        <p:nvSpPr>
+          <p:cNvPr id="40" name="テキスト ボックス 39"/>
+          <p:cNvSpPr txBox="1"/>
+          <p:nvPr/>
+        </p:nvSpPr>
+        <p:spPr>
+          <a:xfrm>
+            <a:off x="5013868" y="1631881"/>
+            <a:ext cx="376003" cy="276999"/>
+          </a:xfrm>
+          <a:prstGeom prst="rect">
+            <a:avLst/>
+          </a:prstGeom>
+          <a:noFill/>
+        </p:spPr>
+        <p:txBody>
+          <a:bodyPr wrap="none" rtlCol="0">
+            <a:spAutoFit/>
+          </a:bodyPr>
+          <a:lstStyle/>
+          <a:p>
+            <a:r>
+              <a:rPr lang="en-US" altLang="ja-JP" sz="1200" i="1" dirty="0" smtClean="0">
+                <a:latin typeface="Book Antiqua"/>
+                <a:cs typeface="Book Antiqua"/>
+              </a:rPr>
+              <a:t>A</a:t>
+            </a:r>
+            <a:r>
+              <a:rPr lang="en-US" altLang="ja-JP" sz="1200" i="1" baseline="-25000" dirty="0" smtClean="0">
+                <a:latin typeface="Book Antiqua"/>
+                <a:cs typeface="Book Antiqua"/>
+              </a:rPr>
+              <a:t>0</a:t>
+            </a:r>
+            <a:endParaRPr kumimoji="1" lang="ja-JP" altLang="en-US" sz="1200" i="1" baseline="-25000" dirty="0">
+              <a:latin typeface="Book Antiqua"/>
+              <a:cs typeface="Book Antiqua"/>
+            </a:endParaRPr>
+          </a:p>
+        </p:txBody>
+      </p:sp>
+      <p:sp>
+        <p:nvSpPr>
+          <p:cNvPr id="41" name="テキスト ボックス 40"/>
+          <p:cNvSpPr txBox="1"/>
+          <p:nvPr/>
+        </p:nvSpPr>
+        <p:spPr>
+          <a:xfrm>
+            <a:off x="5030801" y="1902814"/>
+            <a:ext cx="358871" cy="276999"/>
+          </a:xfrm>
+          <a:prstGeom prst="rect">
+            <a:avLst/>
+          </a:prstGeom>
+          <a:noFill/>
+        </p:spPr>
+        <p:txBody>
+          <a:bodyPr wrap="none" rtlCol="0">
+            <a:spAutoFit/>
+          </a:bodyPr>
+          <a:lstStyle/>
+          <a:p>
+            <a:r>
+              <a:rPr lang="en-US" altLang="ja-JP" sz="1200" i="1" dirty="0" smtClean="0">
+                <a:latin typeface="Book Antiqua"/>
+                <a:cs typeface="Book Antiqua"/>
+              </a:rPr>
+              <a:t>B</a:t>
+            </a:r>
+            <a:r>
+              <a:rPr lang="en-US" altLang="ja-JP" sz="1200" i="1" baseline="-25000" dirty="0" smtClean="0">
+                <a:latin typeface="Book Antiqua"/>
+                <a:cs typeface="Book Antiqua"/>
+              </a:rPr>
+              <a:t>0</a:t>
+            </a:r>
+            <a:endParaRPr kumimoji="1" lang="ja-JP" altLang="en-US" sz="1200" i="1" baseline="-25000" dirty="0">
+              <a:latin typeface="Book Antiqua"/>
+              <a:cs typeface="Book Antiqua"/>
+            </a:endParaRPr>
+          </a:p>
+        </p:txBody>
+      </p:sp>
+      <p:sp>
+        <p:nvSpPr>
+          <p:cNvPr id="43" name="正方形/長方形 42"/>
+          <p:cNvSpPr/>
+          <p:nvPr/>
+        </p:nvSpPr>
+        <p:spPr>
+          <a:xfrm>
+            <a:off x="5991860" y="2628264"/>
+            <a:ext cx="1386840" cy="908685"/>
+          </a:xfrm>
+          <a:prstGeom prst="rect">
+            <a:avLst/>
+          </a:prstGeom>
+        </p:spPr>
+        <p:style>
+          <a:lnRef idx="2">
+            <a:schemeClr val="dk1"/>
+          </a:lnRef>
+          <a:fillRef idx="1">
+            <a:schemeClr val="lt1"/>
+          </a:fillRef>
+          <a:effectRef idx="0">
+            <a:schemeClr val="dk1"/>
+          </a:effectRef>
+          <a:fontRef idx="minor">
+            <a:schemeClr val="dk1"/>
+          </a:fontRef>
+        </p:style>
+        <p:txBody>
+          <a:bodyPr rtlCol="0" anchor="ctr"/>
+          <a:lstStyle/>
+          <a:p>
+            <a:pPr algn="ctr"/>
+            <a:r>
+              <a:rPr kumimoji="1" lang="en-US" altLang="ja-JP" dirty="0" smtClean="0"/>
+              <a:t>Full</a:t>
+            </a:r>
+          </a:p>
+          <a:p>
+            <a:pPr algn="ctr"/>
+            <a:r>
+              <a:rPr lang="en-US" altLang="ja-JP" dirty="0" smtClean="0"/>
+              <a:t>Adder</a:t>
+            </a:r>
+            <a:endParaRPr kumimoji="1" lang="ja-JP" altLang="en-US" dirty="0"/>
+          </a:p>
+        </p:txBody>
+      </p:sp>
+      <p:cxnSp>
+        <p:nvCxnSpPr>
+          <p:cNvPr id="44" name="直線コネクタ 43"/>
+          <p:cNvCxnSpPr/>
+          <p:nvPr/>
+        </p:nvCxnSpPr>
+        <p:spPr>
+          <a:xfrm>
+            <a:off x="7371927" y="2830830"/>
+            <a:ext cx="681990" cy="0"/>
+          </a:xfrm>
+          <a:prstGeom prst="line">
+            <a:avLst/>
+          </a:prstGeom>
+          <a:ln>
+            <a:solidFill>
+              <a:schemeClr val="tx1"/>
+            </a:solidFill>
+          </a:ln>
+          <a:effectLst/>
+        </p:spPr>
+        <p:style>
+          <a:lnRef idx="2">
+            <a:schemeClr val="accent1"/>
+          </a:lnRef>
+          <a:fillRef idx="0">
+            <a:schemeClr val="accent1"/>
+          </a:fillRef>
+          <a:effectRef idx="1">
+            <a:schemeClr val="accent1"/>
+          </a:effectRef>
+          <a:fontRef idx="minor">
+            <a:schemeClr val="tx1"/>
+          </a:fontRef>
+        </p:style>
+      </p:cxnSp>
+      <p:sp>
+        <p:nvSpPr>
+          <p:cNvPr id="45" name="テキスト ボックス 44"/>
+          <p:cNvSpPr txBox="1"/>
+          <p:nvPr/>
+        </p:nvSpPr>
+        <p:spPr>
+          <a:xfrm>
+            <a:off x="8032235" y="2666930"/>
+            <a:ext cx="350456" cy="276999"/>
+          </a:xfrm>
+          <a:prstGeom prst="rect">
+            <a:avLst/>
+          </a:prstGeom>
+          <a:noFill/>
+        </p:spPr>
+        <p:txBody>
+          <a:bodyPr wrap="none" rtlCol="0">
+            <a:spAutoFit/>
+          </a:bodyPr>
+          <a:lstStyle/>
+          <a:p>
+            <a:r>
+              <a:rPr lang="en-US" altLang="ja-JP" sz="1200" i="1" dirty="0" smtClean="0">
+                <a:latin typeface="Book Antiqua"/>
+                <a:cs typeface="Book Antiqua"/>
+              </a:rPr>
+              <a:t>S</a:t>
+            </a:r>
+            <a:r>
+              <a:rPr lang="en-US" altLang="ja-JP" sz="1200" i="1" baseline="-25000" dirty="0" smtClean="0">
+                <a:latin typeface="Book Antiqua"/>
+                <a:cs typeface="Book Antiqua"/>
+              </a:rPr>
+              <a:t>1</a:t>
+            </a:r>
+            <a:endParaRPr kumimoji="1" lang="ja-JP" altLang="en-US" sz="1200" i="1" baseline="-25000" dirty="0">
+              <a:latin typeface="Book Antiqua"/>
+              <a:cs typeface="Book Antiqua"/>
+            </a:endParaRPr>
+          </a:p>
+        </p:txBody>
+      </p:sp>
+      <p:cxnSp>
+        <p:nvCxnSpPr>
+          <p:cNvPr id="48" name="直線コネクタ 47"/>
+          <p:cNvCxnSpPr/>
+          <p:nvPr/>
+        </p:nvCxnSpPr>
+        <p:spPr>
+          <a:xfrm>
+            <a:off x="5314527" y="3338830"/>
+            <a:ext cx="681990" cy="0"/>
+          </a:xfrm>
+          <a:prstGeom prst="line">
+            <a:avLst/>
+          </a:prstGeom>
+          <a:ln>
+            <a:solidFill>
+              <a:schemeClr val="tx1"/>
+            </a:solidFill>
+          </a:ln>
+          <a:effectLst/>
+        </p:spPr>
+        <p:style>
+          <a:lnRef idx="2">
+            <a:schemeClr val="accent1"/>
+          </a:lnRef>
+          <a:fillRef idx="0">
+            <a:schemeClr val="accent1"/>
+          </a:fillRef>
+          <a:effectRef idx="1">
+            <a:schemeClr val="accent1"/>
+          </a:effectRef>
+          <a:fontRef idx="minor">
+            <a:schemeClr val="tx1"/>
+          </a:fontRef>
+        </p:style>
+      </p:cxnSp>
+      <p:cxnSp>
+        <p:nvCxnSpPr>
+          <p:cNvPr id="49" name="直線コネクタ 48"/>
+          <p:cNvCxnSpPr/>
+          <p:nvPr/>
+        </p:nvCxnSpPr>
+        <p:spPr>
+          <a:xfrm>
+            <a:off x="5314526" y="3076364"/>
+            <a:ext cx="681990" cy="0"/>
+          </a:xfrm>
+          <a:prstGeom prst="line">
+            <a:avLst/>
+          </a:prstGeom>
+          <a:ln>
+            <a:solidFill>
+              <a:schemeClr val="tx1"/>
+            </a:solidFill>
+          </a:ln>
+          <a:effectLst/>
+        </p:spPr>
+        <p:style>
+          <a:lnRef idx="2">
+            <a:schemeClr val="accent1"/>
+          </a:lnRef>
+          <a:fillRef idx="0">
+            <a:schemeClr val="accent1"/>
+          </a:fillRef>
+          <a:effectRef idx="1">
+            <a:schemeClr val="accent1"/>
+          </a:effectRef>
+          <a:fontRef idx="minor">
+            <a:schemeClr val="tx1"/>
+          </a:fontRef>
+        </p:style>
+      </p:cxnSp>
+      <p:sp>
+        <p:nvSpPr>
+          <p:cNvPr id="51" name="テキスト ボックス 50"/>
+          <p:cNvSpPr txBox="1"/>
+          <p:nvPr/>
+        </p:nvSpPr>
+        <p:spPr>
+          <a:xfrm>
+            <a:off x="5026568" y="2920931"/>
+            <a:ext cx="376003" cy="276999"/>
+          </a:xfrm>
+          <a:prstGeom prst="rect">
+            <a:avLst/>
+          </a:prstGeom>
+          <a:noFill/>
+        </p:spPr>
+        <p:txBody>
+          <a:bodyPr wrap="none" rtlCol="0">
+            <a:spAutoFit/>
+          </a:bodyPr>
+          <a:lstStyle/>
+          <a:p>
+            <a:r>
+              <a:rPr lang="en-US" altLang="ja-JP" sz="1200" i="1" dirty="0" smtClean="0">
+                <a:latin typeface="Book Antiqua"/>
+                <a:cs typeface="Book Antiqua"/>
+              </a:rPr>
+              <a:t>A</a:t>
+            </a:r>
+            <a:r>
+              <a:rPr lang="en-US" altLang="ja-JP" sz="1200" i="1" baseline="-25000" dirty="0" smtClean="0">
+                <a:latin typeface="Book Antiqua"/>
+                <a:cs typeface="Book Antiqua"/>
+              </a:rPr>
+              <a:t>1</a:t>
+            </a:r>
+            <a:endParaRPr kumimoji="1" lang="ja-JP" altLang="en-US" sz="1200" i="1" baseline="-25000" dirty="0">
+              <a:latin typeface="Book Antiqua"/>
+              <a:cs typeface="Book Antiqua"/>
+            </a:endParaRPr>
+          </a:p>
+        </p:txBody>
+      </p:sp>
+      <p:sp>
+        <p:nvSpPr>
+          <p:cNvPr id="52" name="テキスト ボックス 51"/>
+          <p:cNvSpPr txBox="1"/>
+          <p:nvPr/>
+        </p:nvSpPr>
+        <p:spPr>
+          <a:xfrm>
+            <a:off x="5043501" y="3191864"/>
+            <a:ext cx="358871" cy="276999"/>
+          </a:xfrm>
+          <a:prstGeom prst="rect">
+            <a:avLst/>
+          </a:prstGeom>
+          <a:noFill/>
+        </p:spPr>
+        <p:txBody>
+          <a:bodyPr wrap="none" rtlCol="0">
+            <a:spAutoFit/>
+          </a:bodyPr>
+          <a:lstStyle/>
+          <a:p>
+            <a:r>
+              <a:rPr lang="en-US" altLang="ja-JP" sz="1200" i="1" dirty="0" smtClean="0">
+                <a:latin typeface="Book Antiqua"/>
+                <a:cs typeface="Book Antiqua"/>
+              </a:rPr>
+              <a:t>B</a:t>
+            </a:r>
+            <a:r>
+              <a:rPr lang="en-US" altLang="ja-JP" sz="1200" i="1" baseline="-25000" dirty="0" smtClean="0">
+                <a:latin typeface="Book Antiqua"/>
+                <a:cs typeface="Book Antiqua"/>
+              </a:rPr>
+              <a:t>1</a:t>
+            </a:r>
+            <a:endParaRPr kumimoji="1" lang="ja-JP" altLang="en-US" sz="1200" i="1" baseline="-25000" dirty="0">
+              <a:latin typeface="Book Antiqua"/>
+              <a:cs typeface="Book Antiqua"/>
+            </a:endParaRPr>
+          </a:p>
+        </p:txBody>
+      </p:sp>
+      <p:sp>
+        <p:nvSpPr>
+          <p:cNvPr id="54" name="正方形/長方形 53"/>
+          <p:cNvSpPr/>
+          <p:nvPr/>
+        </p:nvSpPr>
+        <p:spPr>
+          <a:xfrm>
+            <a:off x="6004560" y="3910964"/>
+            <a:ext cx="1386840" cy="908685"/>
+          </a:xfrm>
+          <a:prstGeom prst="rect">
+            <a:avLst/>
+          </a:prstGeom>
+        </p:spPr>
+        <p:style>
+          <a:lnRef idx="2">
+            <a:schemeClr val="dk1"/>
+          </a:lnRef>
+          <a:fillRef idx="1">
+            <a:schemeClr val="lt1"/>
+          </a:fillRef>
+          <a:effectRef idx="0">
+            <a:schemeClr val="dk1"/>
+          </a:effectRef>
+          <a:fontRef idx="minor">
+            <a:schemeClr val="dk1"/>
+          </a:fontRef>
+        </p:style>
+        <p:txBody>
+          <a:bodyPr rtlCol="0" anchor="ctr"/>
+          <a:lstStyle/>
+          <a:p>
+            <a:pPr algn="ctr"/>
+            <a:r>
+              <a:rPr kumimoji="1" lang="en-US" altLang="ja-JP" dirty="0" smtClean="0"/>
+              <a:t>Full</a:t>
+            </a:r>
+          </a:p>
+          <a:p>
+            <a:pPr algn="ctr"/>
+            <a:r>
+              <a:rPr lang="en-US" altLang="ja-JP" dirty="0" smtClean="0"/>
+              <a:t>Adder</a:t>
+            </a:r>
+            <a:endParaRPr kumimoji="1" lang="ja-JP" altLang="en-US" dirty="0"/>
+          </a:p>
+        </p:txBody>
+      </p:sp>
+      <p:cxnSp>
+        <p:nvCxnSpPr>
+          <p:cNvPr id="55" name="直線コネクタ 54"/>
+          <p:cNvCxnSpPr/>
+          <p:nvPr/>
+        </p:nvCxnSpPr>
+        <p:spPr>
+          <a:xfrm>
+            <a:off x="7384627" y="4113530"/>
+            <a:ext cx="681990" cy="0"/>
+          </a:xfrm>
+          <a:prstGeom prst="line">
+            <a:avLst/>
+          </a:prstGeom>
+          <a:ln>
+            <a:solidFill>
+              <a:schemeClr val="tx1"/>
+            </a:solidFill>
+          </a:ln>
+          <a:effectLst/>
+        </p:spPr>
+        <p:style>
+          <a:lnRef idx="2">
+            <a:schemeClr val="accent1"/>
+          </a:lnRef>
+          <a:fillRef idx="0">
+            <a:schemeClr val="accent1"/>
+          </a:fillRef>
+          <a:effectRef idx="1">
+            <a:schemeClr val="accent1"/>
+          </a:effectRef>
+          <a:fontRef idx="minor">
+            <a:schemeClr val="tx1"/>
+          </a:fontRef>
+        </p:style>
+      </p:cxnSp>
+      <p:sp>
+        <p:nvSpPr>
+          <p:cNvPr id="56" name="テキスト ボックス 55"/>
+          <p:cNvSpPr txBox="1"/>
+          <p:nvPr/>
+        </p:nvSpPr>
+        <p:spPr>
+          <a:xfrm>
+            <a:off x="8044935" y="3949630"/>
+            <a:ext cx="350456" cy="276999"/>
+          </a:xfrm>
+          <a:prstGeom prst="rect">
+            <a:avLst/>
+          </a:prstGeom>
+          <a:noFill/>
+        </p:spPr>
+        <p:txBody>
+          <a:bodyPr wrap="none" rtlCol="0">
+            <a:spAutoFit/>
+          </a:bodyPr>
+          <a:lstStyle/>
+          <a:p>
+            <a:r>
+              <a:rPr lang="en-US" altLang="ja-JP" sz="1200" i="1" dirty="0" smtClean="0">
+                <a:latin typeface="Book Antiqua"/>
+                <a:cs typeface="Book Antiqua"/>
+              </a:rPr>
+              <a:t>S</a:t>
+            </a:r>
+            <a:r>
+              <a:rPr lang="en-US" altLang="ja-JP" sz="1200" i="1" baseline="-25000" dirty="0" smtClean="0">
+                <a:latin typeface="Book Antiqua"/>
+                <a:cs typeface="Book Antiqua"/>
+              </a:rPr>
+              <a:t>2</a:t>
+            </a:r>
+            <a:endParaRPr kumimoji="1" lang="ja-JP" altLang="en-US" sz="1200" i="1" baseline="-25000" dirty="0">
+              <a:latin typeface="Book Antiqua"/>
+              <a:cs typeface="Book Antiqua"/>
+            </a:endParaRPr>
+          </a:p>
+        </p:txBody>
+      </p:sp>
+      <p:cxnSp>
+        <p:nvCxnSpPr>
+          <p:cNvPr id="59" name="直線コネクタ 58"/>
+          <p:cNvCxnSpPr/>
+          <p:nvPr/>
+        </p:nvCxnSpPr>
+        <p:spPr>
+          <a:xfrm>
+            <a:off x="5327227" y="4621530"/>
+            <a:ext cx="681990" cy="0"/>
+          </a:xfrm>
+          <a:prstGeom prst="line">
+            <a:avLst/>
+          </a:prstGeom>
+          <a:ln>
+            <a:solidFill>
+              <a:schemeClr val="tx1"/>
+            </a:solidFill>
+          </a:ln>
+          <a:effectLst/>
+        </p:spPr>
+        <p:style>
+          <a:lnRef idx="2">
+            <a:schemeClr val="accent1"/>
+          </a:lnRef>
+          <a:fillRef idx="0">
+            <a:schemeClr val="accent1"/>
+          </a:fillRef>
+          <a:effectRef idx="1">
+            <a:schemeClr val="accent1"/>
+          </a:effectRef>
+          <a:fontRef idx="minor">
+            <a:schemeClr val="tx1"/>
+          </a:fontRef>
+        </p:style>
+      </p:cxnSp>
+      <p:cxnSp>
+        <p:nvCxnSpPr>
+          <p:cNvPr id="60" name="直線コネクタ 59"/>
+          <p:cNvCxnSpPr/>
+          <p:nvPr/>
+        </p:nvCxnSpPr>
+        <p:spPr>
+          <a:xfrm>
+            <a:off x="5327226" y="4359064"/>
+            <a:ext cx="681990" cy="0"/>
+          </a:xfrm>
+          <a:prstGeom prst="line">
+            <a:avLst/>
+          </a:prstGeom>
+          <a:ln>
+            <a:solidFill>
+              <a:schemeClr val="tx1"/>
+            </a:solidFill>
+          </a:ln>
+          <a:effectLst/>
+        </p:spPr>
+        <p:style>
+          <a:lnRef idx="2">
+            <a:schemeClr val="accent1"/>
+          </a:lnRef>
+          <a:fillRef idx="0">
+            <a:schemeClr val="accent1"/>
+          </a:fillRef>
+          <a:effectRef idx="1">
+            <a:schemeClr val="accent1"/>
+          </a:effectRef>
+          <a:fontRef idx="minor">
+            <a:schemeClr val="tx1"/>
+          </a:fontRef>
+        </p:style>
+      </p:cxnSp>
+      <p:sp>
+        <p:nvSpPr>
+          <p:cNvPr id="62" name="テキスト ボックス 61"/>
+          <p:cNvSpPr txBox="1"/>
+          <p:nvPr/>
+        </p:nvSpPr>
+        <p:spPr>
+          <a:xfrm>
+            <a:off x="5039268" y="4203631"/>
+            <a:ext cx="376003" cy="276999"/>
+          </a:xfrm>
+          <a:prstGeom prst="rect">
+            <a:avLst/>
+          </a:prstGeom>
+          <a:noFill/>
+        </p:spPr>
+        <p:txBody>
+          <a:bodyPr wrap="none" rtlCol="0">
+            <a:spAutoFit/>
+          </a:bodyPr>
+          <a:lstStyle/>
+          <a:p>
+            <a:r>
+              <a:rPr lang="en-US" altLang="ja-JP" sz="1200" i="1" dirty="0" smtClean="0">
+                <a:latin typeface="Book Antiqua"/>
+                <a:cs typeface="Book Antiqua"/>
+              </a:rPr>
+              <a:t>A</a:t>
+            </a:r>
+            <a:r>
+              <a:rPr lang="en-US" altLang="ja-JP" sz="1200" i="1" baseline="-25000" dirty="0" smtClean="0">
+                <a:latin typeface="Book Antiqua"/>
+                <a:cs typeface="Book Antiqua"/>
+              </a:rPr>
+              <a:t>2</a:t>
+            </a:r>
+            <a:endParaRPr kumimoji="1" lang="ja-JP" altLang="en-US" sz="1200" i="1" baseline="-25000" dirty="0">
+              <a:latin typeface="Book Antiqua"/>
+              <a:cs typeface="Book Antiqua"/>
+            </a:endParaRPr>
+          </a:p>
+        </p:txBody>
+      </p:sp>
+      <p:sp>
+        <p:nvSpPr>
+          <p:cNvPr id="63" name="テキスト ボックス 62"/>
+          <p:cNvSpPr txBox="1"/>
+          <p:nvPr/>
+        </p:nvSpPr>
+        <p:spPr>
+          <a:xfrm>
+            <a:off x="5056201" y="4474564"/>
+            <a:ext cx="358871" cy="276999"/>
+          </a:xfrm>
+          <a:prstGeom prst="rect">
+            <a:avLst/>
+          </a:prstGeom>
+          <a:noFill/>
+        </p:spPr>
+        <p:txBody>
+          <a:bodyPr wrap="none" rtlCol="0">
+            <a:spAutoFit/>
+          </a:bodyPr>
+          <a:lstStyle/>
+          <a:p>
+            <a:r>
+              <a:rPr lang="en-US" altLang="ja-JP" sz="1200" i="1" dirty="0" smtClean="0">
+                <a:latin typeface="Book Antiqua"/>
+                <a:cs typeface="Book Antiqua"/>
+              </a:rPr>
+              <a:t>B</a:t>
+            </a:r>
+            <a:r>
+              <a:rPr lang="en-US" altLang="ja-JP" sz="1200" i="1" baseline="-25000" dirty="0" smtClean="0">
+                <a:latin typeface="Book Antiqua"/>
+                <a:cs typeface="Book Antiqua"/>
+              </a:rPr>
+              <a:t>2</a:t>
+            </a:r>
+            <a:endParaRPr kumimoji="1" lang="ja-JP" altLang="en-US" sz="1200" i="1" baseline="-25000" dirty="0">
+              <a:latin typeface="Book Antiqua"/>
+              <a:cs typeface="Book Antiqua"/>
+            </a:endParaRPr>
+          </a:p>
+        </p:txBody>
+      </p:sp>
+      <p:sp>
+        <p:nvSpPr>
+          <p:cNvPr id="65" name="正方形/長方形 64"/>
+          <p:cNvSpPr/>
+          <p:nvPr/>
+        </p:nvSpPr>
+        <p:spPr>
+          <a:xfrm>
+            <a:off x="6004560" y="5180964"/>
+            <a:ext cx="1386840" cy="908685"/>
+          </a:xfrm>
+          <a:prstGeom prst="rect">
+            <a:avLst/>
+          </a:prstGeom>
+        </p:spPr>
+        <p:style>
+          <a:lnRef idx="2">
+            <a:schemeClr val="dk1"/>
+          </a:lnRef>
+          <a:fillRef idx="1">
+            <a:schemeClr val="lt1"/>
+          </a:fillRef>
+          <a:effectRef idx="0">
+            <a:schemeClr val="dk1"/>
+          </a:effectRef>
+          <a:fontRef idx="minor">
+            <a:schemeClr val="dk1"/>
+          </a:fontRef>
+        </p:style>
+        <p:txBody>
+          <a:bodyPr rtlCol="0" anchor="ctr"/>
+          <a:lstStyle/>
+          <a:p>
+            <a:pPr algn="ctr"/>
+            <a:r>
+              <a:rPr kumimoji="1" lang="en-US" altLang="ja-JP" dirty="0" smtClean="0"/>
+              <a:t>Full</a:t>
+            </a:r>
+          </a:p>
+          <a:p>
+            <a:pPr algn="ctr"/>
+            <a:r>
+              <a:rPr lang="en-US" altLang="ja-JP" dirty="0" smtClean="0"/>
+              <a:t>Adder</a:t>
+            </a:r>
+            <a:endParaRPr kumimoji="1" lang="ja-JP" altLang="en-US" dirty="0"/>
+          </a:p>
+        </p:txBody>
+      </p:sp>
+      <p:cxnSp>
+        <p:nvCxnSpPr>
+          <p:cNvPr id="66" name="直線コネクタ 65"/>
+          <p:cNvCxnSpPr/>
+          <p:nvPr/>
+        </p:nvCxnSpPr>
+        <p:spPr>
+          <a:xfrm>
+            <a:off x="7384627" y="5383530"/>
+            <a:ext cx="681990" cy="0"/>
+          </a:xfrm>
+          <a:prstGeom prst="line">
+            <a:avLst/>
+          </a:prstGeom>
+          <a:ln>
+            <a:solidFill>
+              <a:schemeClr val="tx1"/>
+            </a:solidFill>
+          </a:ln>
+          <a:effectLst/>
+        </p:spPr>
+        <p:style>
+          <a:lnRef idx="2">
+            <a:schemeClr val="accent1"/>
+          </a:lnRef>
+          <a:fillRef idx="0">
+            <a:schemeClr val="accent1"/>
+          </a:fillRef>
+          <a:effectRef idx="1">
+            <a:schemeClr val="accent1"/>
+          </a:effectRef>
+          <a:fontRef idx="minor">
+            <a:schemeClr val="tx1"/>
+          </a:fontRef>
+        </p:style>
+      </p:cxnSp>
+      <p:sp>
+        <p:nvSpPr>
+          <p:cNvPr id="67" name="テキスト ボックス 66"/>
+          <p:cNvSpPr txBox="1"/>
+          <p:nvPr/>
+        </p:nvSpPr>
+        <p:spPr>
+          <a:xfrm>
+            <a:off x="8044935" y="5219630"/>
+            <a:ext cx="350456" cy="276999"/>
+          </a:xfrm>
+          <a:prstGeom prst="rect">
+            <a:avLst/>
+          </a:prstGeom>
+          <a:noFill/>
+        </p:spPr>
+        <p:txBody>
+          <a:bodyPr wrap="none" rtlCol="0">
+            <a:spAutoFit/>
+          </a:bodyPr>
+          <a:lstStyle/>
+          <a:p>
+            <a:r>
+              <a:rPr lang="en-US" altLang="ja-JP" sz="1200" i="1" dirty="0" smtClean="0">
+                <a:latin typeface="Book Antiqua"/>
+                <a:cs typeface="Book Antiqua"/>
+              </a:rPr>
+              <a:t>S</a:t>
+            </a:r>
+            <a:r>
+              <a:rPr lang="en-US" altLang="ja-JP" sz="1200" i="1" baseline="-25000" dirty="0" smtClean="0">
+                <a:latin typeface="Book Antiqua"/>
+                <a:cs typeface="Book Antiqua"/>
+              </a:rPr>
+              <a:t>3</a:t>
+            </a:r>
+            <a:endParaRPr kumimoji="1" lang="ja-JP" altLang="en-US" sz="1200" i="1" baseline="-25000" dirty="0">
+              <a:latin typeface="Book Antiqua"/>
+              <a:cs typeface="Book Antiqua"/>
+            </a:endParaRPr>
+          </a:p>
+        </p:txBody>
+      </p:sp>
+      <p:cxnSp>
+        <p:nvCxnSpPr>
+          <p:cNvPr id="68" name="直線コネクタ 67"/>
+          <p:cNvCxnSpPr/>
+          <p:nvPr/>
+        </p:nvCxnSpPr>
+        <p:spPr>
+          <a:xfrm>
+            <a:off x="7393093" y="5891530"/>
+            <a:ext cx="681990" cy="0"/>
+          </a:xfrm>
+          <a:prstGeom prst="line">
+            <a:avLst/>
+          </a:prstGeom>
+          <a:ln>
+            <a:solidFill>
+              <a:schemeClr val="tx1"/>
+            </a:solidFill>
+          </a:ln>
+          <a:effectLst/>
+        </p:spPr>
+        <p:style>
+          <a:lnRef idx="2">
+            <a:schemeClr val="accent1"/>
+          </a:lnRef>
+          <a:fillRef idx="0">
+            <a:schemeClr val="accent1"/>
+          </a:fillRef>
+          <a:effectRef idx="1">
+            <a:schemeClr val="accent1"/>
+          </a:effectRef>
+          <a:fontRef idx="minor">
+            <a:schemeClr val="tx1"/>
+          </a:fontRef>
+        </p:style>
+      </p:cxnSp>
+      <p:cxnSp>
+        <p:nvCxnSpPr>
+          <p:cNvPr id="70" name="直線コネクタ 69"/>
+          <p:cNvCxnSpPr/>
+          <p:nvPr/>
+        </p:nvCxnSpPr>
+        <p:spPr>
+          <a:xfrm>
+            <a:off x="5327227" y="5891530"/>
+            <a:ext cx="681990" cy="0"/>
+          </a:xfrm>
+          <a:prstGeom prst="line">
+            <a:avLst/>
+          </a:prstGeom>
+          <a:ln>
+            <a:solidFill>
+              <a:schemeClr val="tx1"/>
+            </a:solidFill>
+          </a:ln>
+          <a:effectLst/>
+        </p:spPr>
+        <p:style>
+          <a:lnRef idx="2">
+            <a:schemeClr val="accent1"/>
+          </a:lnRef>
+          <a:fillRef idx="0">
+            <a:schemeClr val="accent1"/>
+          </a:fillRef>
+          <a:effectRef idx="1">
+            <a:schemeClr val="accent1"/>
+          </a:effectRef>
+          <a:fontRef idx="minor">
+            <a:schemeClr val="tx1"/>
+          </a:fontRef>
+        </p:style>
+      </p:cxnSp>
+      <p:cxnSp>
+        <p:nvCxnSpPr>
+          <p:cNvPr id="71" name="直線コネクタ 70"/>
+          <p:cNvCxnSpPr/>
+          <p:nvPr/>
+        </p:nvCxnSpPr>
+        <p:spPr>
+          <a:xfrm>
+            <a:off x="5327226" y="5629064"/>
+            <a:ext cx="681990" cy="0"/>
+          </a:xfrm>
+          <a:prstGeom prst="line">
+            <a:avLst/>
+          </a:prstGeom>
+          <a:ln>
+            <a:solidFill>
+              <a:schemeClr val="tx1"/>
+            </a:solidFill>
+          </a:ln>
+          <a:effectLst/>
+        </p:spPr>
+        <p:style>
+          <a:lnRef idx="2">
+            <a:schemeClr val="accent1"/>
+          </a:lnRef>
+          <a:fillRef idx="0">
+            <a:schemeClr val="accent1"/>
+          </a:fillRef>
+          <a:effectRef idx="1">
+            <a:schemeClr val="accent1"/>
+          </a:effectRef>
+          <a:fontRef idx="minor">
+            <a:schemeClr val="tx1"/>
+          </a:fontRef>
+        </p:style>
+      </p:cxnSp>
+      <p:sp>
+        <p:nvSpPr>
+          <p:cNvPr id="73" name="テキスト ボックス 72"/>
+          <p:cNvSpPr txBox="1"/>
+          <p:nvPr/>
+        </p:nvSpPr>
+        <p:spPr>
+          <a:xfrm>
+            <a:off x="5039268" y="5473631"/>
+            <a:ext cx="376003" cy="276999"/>
+          </a:xfrm>
+          <a:prstGeom prst="rect">
+            <a:avLst/>
+          </a:prstGeom>
+          <a:noFill/>
+        </p:spPr>
+        <p:txBody>
+          <a:bodyPr wrap="none" rtlCol="0">
+            <a:spAutoFit/>
+          </a:bodyPr>
+          <a:lstStyle/>
+          <a:p>
+            <a:r>
+              <a:rPr lang="en-US" altLang="ja-JP" sz="1200" i="1" dirty="0" smtClean="0">
+                <a:latin typeface="Book Antiqua"/>
+                <a:cs typeface="Book Antiqua"/>
+              </a:rPr>
+              <a:t>A</a:t>
+            </a:r>
+            <a:r>
+              <a:rPr lang="en-US" altLang="ja-JP" sz="1200" i="1" baseline="-25000" dirty="0" smtClean="0">
+                <a:latin typeface="Book Antiqua"/>
+                <a:cs typeface="Book Antiqua"/>
+              </a:rPr>
+              <a:t>3</a:t>
+            </a:r>
+            <a:endParaRPr kumimoji="1" lang="ja-JP" altLang="en-US" sz="1200" i="1" baseline="-25000" dirty="0">
+              <a:latin typeface="Book Antiqua"/>
+              <a:cs typeface="Book Antiqua"/>
+            </a:endParaRPr>
+          </a:p>
+        </p:txBody>
+      </p:sp>
+      <p:sp>
+        <p:nvSpPr>
+          <p:cNvPr id="74" name="テキスト ボックス 73"/>
+          <p:cNvSpPr txBox="1"/>
+          <p:nvPr/>
+        </p:nvSpPr>
+        <p:spPr>
+          <a:xfrm>
+            <a:off x="5056201" y="5744564"/>
+            <a:ext cx="358871" cy="276999"/>
+          </a:xfrm>
+          <a:prstGeom prst="rect">
+            <a:avLst/>
+          </a:prstGeom>
+          <a:noFill/>
+        </p:spPr>
+        <p:txBody>
+          <a:bodyPr wrap="none" rtlCol="0">
+            <a:spAutoFit/>
+          </a:bodyPr>
+          <a:lstStyle/>
+          <a:p>
+            <a:r>
+              <a:rPr lang="en-US" altLang="ja-JP" sz="1200" i="1" dirty="0" smtClean="0">
+                <a:latin typeface="Book Antiqua"/>
+                <a:cs typeface="Book Antiqua"/>
+              </a:rPr>
+              <a:t>B</a:t>
+            </a:r>
+            <a:r>
+              <a:rPr lang="en-US" altLang="ja-JP" sz="1200" i="1" baseline="-25000" dirty="0" smtClean="0">
+                <a:latin typeface="Book Antiqua"/>
+                <a:cs typeface="Book Antiqua"/>
+              </a:rPr>
+              <a:t>3</a:t>
+            </a:r>
+            <a:endParaRPr kumimoji="1" lang="ja-JP" altLang="en-US" sz="1200" i="1" baseline="-25000" dirty="0">
+              <a:latin typeface="Book Antiqua"/>
+              <a:cs typeface="Book Antiqua"/>
+            </a:endParaRPr>
+          </a:p>
+        </p:txBody>
+      </p:sp>
+      <p:sp>
+        <p:nvSpPr>
+          <p:cNvPr id="75" name="テキスト ボックス 74"/>
+          <p:cNvSpPr txBox="1"/>
+          <p:nvPr/>
+        </p:nvSpPr>
+        <p:spPr>
+          <a:xfrm>
+            <a:off x="8036468" y="5727630"/>
+            <a:ext cx="317252" cy="276999"/>
+          </a:xfrm>
+          <a:prstGeom prst="rect">
+            <a:avLst/>
+          </a:prstGeom>
+          <a:noFill/>
+        </p:spPr>
+        <p:txBody>
+          <a:bodyPr wrap="none" rtlCol="0">
+            <a:spAutoFit/>
+          </a:bodyPr>
+          <a:lstStyle/>
+          <a:p>
+            <a:r>
+              <a:rPr lang="en-US" altLang="ja-JP" sz="1200" i="1" dirty="0" smtClean="0">
+                <a:latin typeface="Book Antiqua"/>
+                <a:cs typeface="Book Antiqua"/>
+              </a:rPr>
+              <a:t>C</a:t>
+            </a:r>
+            <a:endParaRPr kumimoji="1" lang="ja-JP" altLang="en-US" sz="1200" i="1" baseline="-25000" dirty="0">
+              <a:latin typeface="Book Antiqua"/>
+              <a:cs typeface="Book Antiqua"/>
+            </a:endParaRPr>
+          </a:p>
+        </p:txBody>
+      </p:sp>
+      <p:cxnSp>
+        <p:nvCxnSpPr>
+          <p:cNvPr id="82" name="直線コネクタ 81"/>
+          <p:cNvCxnSpPr/>
+          <p:nvPr/>
+        </p:nvCxnSpPr>
+        <p:spPr>
+          <a:xfrm>
+            <a:off x="7386743" y="3338830"/>
+            <a:ext cx="417407" cy="1270"/>
+          </a:xfrm>
+          <a:prstGeom prst="line">
+            <a:avLst/>
+          </a:prstGeom>
+          <a:ln>
+            <a:solidFill>
+              <a:schemeClr val="tx1"/>
+            </a:solidFill>
+          </a:ln>
+          <a:effectLst/>
+        </p:spPr>
+        <p:style>
+          <a:lnRef idx="2">
+            <a:schemeClr val="accent1"/>
+          </a:lnRef>
+          <a:fillRef idx="0">
+            <a:schemeClr val="accent1"/>
+          </a:fillRef>
+          <a:effectRef idx="1">
+            <a:schemeClr val="accent1"/>
+          </a:effectRef>
+          <a:fontRef idx="minor">
+            <a:schemeClr val="tx1"/>
+          </a:fontRef>
+        </p:style>
+      </p:cxnSp>
+      <p:cxnSp>
+        <p:nvCxnSpPr>
+          <p:cNvPr id="83" name="直線コネクタ 82"/>
+          <p:cNvCxnSpPr/>
+          <p:nvPr/>
+        </p:nvCxnSpPr>
+        <p:spPr>
+          <a:xfrm>
+            <a:off x="7393093" y="4608830"/>
+            <a:ext cx="417407" cy="1270"/>
+          </a:xfrm>
+          <a:prstGeom prst="line">
+            <a:avLst/>
+          </a:prstGeom>
+          <a:ln>
+            <a:solidFill>
+              <a:schemeClr val="tx1"/>
+            </a:solidFill>
+          </a:ln>
+          <a:effectLst/>
+        </p:spPr>
+        <p:style>
+          <a:lnRef idx="2">
+            <a:schemeClr val="accent1"/>
+          </a:lnRef>
+          <a:fillRef idx="0">
+            <a:schemeClr val="accent1"/>
+          </a:fillRef>
+          <a:effectRef idx="1">
+            <a:schemeClr val="accent1"/>
+          </a:effectRef>
+          <a:fontRef idx="minor">
+            <a:schemeClr val="tx1"/>
+          </a:fontRef>
+        </p:style>
+      </p:cxnSp>
+      <p:cxnSp>
+        <p:nvCxnSpPr>
+          <p:cNvPr id="84" name="直線コネクタ 83"/>
+          <p:cNvCxnSpPr/>
+          <p:nvPr/>
+        </p:nvCxnSpPr>
+        <p:spPr>
+          <a:xfrm>
+            <a:off x="5596043" y="5383530"/>
+            <a:ext cx="417407" cy="1270"/>
+          </a:xfrm>
+          <a:prstGeom prst="line">
+            <a:avLst/>
+          </a:prstGeom>
+          <a:ln>
+            <a:solidFill>
+              <a:schemeClr val="tx1"/>
+            </a:solidFill>
+          </a:ln>
+          <a:effectLst/>
+        </p:spPr>
+        <p:style>
+          <a:lnRef idx="2">
+            <a:schemeClr val="accent1"/>
+          </a:lnRef>
+          <a:fillRef idx="0">
+            <a:schemeClr val="accent1"/>
+          </a:fillRef>
+          <a:effectRef idx="1">
+            <a:schemeClr val="accent1"/>
+          </a:effectRef>
+          <a:fontRef idx="minor">
+            <a:schemeClr val="tx1"/>
+          </a:fontRef>
+        </p:style>
+      </p:cxnSp>
+      <p:cxnSp>
+        <p:nvCxnSpPr>
+          <p:cNvPr id="85" name="直線コネクタ 84"/>
+          <p:cNvCxnSpPr/>
+          <p:nvPr/>
+        </p:nvCxnSpPr>
+        <p:spPr>
+          <a:xfrm>
+            <a:off x="5583343" y="4113530"/>
+            <a:ext cx="417407" cy="1270"/>
+          </a:xfrm>
+          <a:prstGeom prst="line">
+            <a:avLst/>
+          </a:prstGeom>
+          <a:ln>
+            <a:solidFill>
+              <a:schemeClr val="tx1"/>
+            </a:solidFill>
+          </a:ln>
+          <a:effectLst/>
+        </p:spPr>
+        <p:style>
+          <a:lnRef idx="2">
+            <a:schemeClr val="accent1"/>
+          </a:lnRef>
+          <a:fillRef idx="0">
+            <a:schemeClr val="accent1"/>
+          </a:fillRef>
+          <a:effectRef idx="1">
+            <a:schemeClr val="accent1"/>
+          </a:effectRef>
+          <a:fontRef idx="minor">
+            <a:schemeClr val="tx1"/>
+          </a:fontRef>
+        </p:style>
+      </p:cxnSp>
+      <p:cxnSp>
+        <p:nvCxnSpPr>
+          <p:cNvPr id="86" name="直線コネクタ 85"/>
+          <p:cNvCxnSpPr/>
+          <p:nvPr/>
+        </p:nvCxnSpPr>
+        <p:spPr>
+          <a:xfrm>
+            <a:off x="5570643" y="2830830"/>
+            <a:ext cx="417407" cy="1270"/>
+          </a:xfrm>
+          <a:prstGeom prst="line">
+            <a:avLst/>
+          </a:prstGeom>
+          <a:ln>
+            <a:solidFill>
+              <a:schemeClr val="tx1"/>
+            </a:solidFill>
+          </a:ln>
+          <a:effectLst/>
+        </p:spPr>
+        <p:style>
+          <a:lnRef idx="2">
+            <a:schemeClr val="accent1"/>
+          </a:lnRef>
+          <a:fillRef idx="0">
+            <a:schemeClr val="accent1"/>
+          </a:fillRef>
+          <a:effectRef idx="1">
+            <a:schemeClr val="accent1"/>
+          </a:effectRef>
+          <a:fontRef idx="minor">
+            <a:schemeClr val="tx1"/>
+          </a:fontRef>
+        </p:style>
+      </p:cxnSp>
+      <p:cxnSp>
+        <p:nvCxnSpPr>
+          <p:cNvPr id="87" name="直線コネクタ 86"/>
+          <p:cNvCxnSpPr/>
+          <p:nvPr/>
+        </p:nvCxnSpPr>
+        <p:spPr>
+          <a:xfrm flipV="1">
+            <a:off x="7785100" y="2044700"/>
+            <a:ext cx="1" cy="387350"/>
+          </a:xfrm>
+          <a:prstGeom prst="line">
+            <a:avLst/>
+          </a:prstGeom>
+          <a:ln>
+            <a:solidFill>
+              <a:schemeClr val="tx1"/>
+            </a:solidFill>
+          </a:ln>
+          <a:effectLst/>
+        </p:spPr>
+        <p:style>
+          <a:lnRef idx="2">
+            <a:schemeClr val="accent1"/>
+          </a:lnRef>
+          <a:fillRef idx="0">
+            <a:schemeClr val="accent1"/>
+          </a:fillRef>
+          <a:effectRef idx="1">
+            <a:schemeClr val="accent1"/>
+          </a:effectRef>
+          <a:fontRef idx="minor">
+            <a:schemeClr val="tx1"/>
+          </a:fontRef>
+        </p:style>
+      </p:cxnSp>
+      <p:cxnSp>
+        <p:nvCxnSpPr>
+          <p:cNvPr id="90" name="直線コネクタ 89"/>
+          <p:cNvCxnSpPr/>
+          <p:nvPr/>
+        </p:nvCxnSpPr>
+        <p:spPr>
+          <a:xfrm flipV="1">
+            <a:off x="5575300" y="2451100"/>
+            <a:ext cx="1" cy="387350"/>
+          </a:xfrm>
+          <a:prstGeom prst="line">
+            <a:avLst/>
+          </a:prstGeom>
+          <a:ln>
+            <a:solidFill>
+              <a:schemeClr val="tx1"/>
+            </a:solidFill>
+          </a:ln>
+          <a:effectLst/>
+        </p:spPr>
+        <p:style>
+          <a:lnRef idx="2">
+            <a:schemeClr val="accent1"/>
+          </a:lnRef>
+          <a:fillRef idx="0">
+            <a:schemeClr val="accent1"/>
+          </a:fillRef>
+          <a:effectRef idx="1">
+            <a:schemeClr val="accent1"/>
+          </a:effectRef>
+          <a:fontRef idx="minor">
+            <a:schemeClr val="tx1"/>
+          </a:fontRef>
+        </p:style>
+      </p:cxnSp>
+      <p:cxnSp>
+        <p:nvCxnSpPr>
+          <p:cNvPr id="91" name="直線コネクタ 90"/>
+          <p:cNvCxnSpPr/>
+          <p:nvPr/>
+        </p:nvCxnSpPr>
+        <p:spPr>
+          <a:xfrm flipV="1">
+            <a:off x="7804150" y="3333750"/>
+            <a:ext cx="1" cy="387350"/>
+          </a:xfrm>
+          <a:prstGeom prst="line">
+            <a:avLst/>
+          </a:prstGeom>
+          <a:ln>
+            <a:solidFill>
+              <a:schemeClr val="tx1"/>
+            </a:solidFill>
+          </a:ln>
+          <a:effectLst/>
+        </p:spPr>
+        <p:style>
+          <a:lnRef idx="2">
+            <a:schemeClr val="accent1"/>
+          </a:lnRef>
+          <a:fillRef idx="0">
+            <a:schemeClr val="accent1"/>
+          </a:fillRef>
+          <a:effectRef idx="1">
+            <a:schemeClr val="accent1"/>
+          </a:effectRef>
+          <a:fontRef idx="minor">
+            <a:schemeClr val="tx1"/>
+          </a:fontRef>
+        </p:style>
+      </p:cxnSp>
+      <p:cxnSp>
+        <p:nvCxnSpPr>
+          <p:cNvPr id="92" name="直線コネクタ 91"/>
+          <p:cNvCxnSpPr/>
+          <p:nvPr/>
+        </p:nvCxnSpPr>
+        <p:spPr>
+          <a:xfrm flipV="1">
+            <a:off x="7810500" y="4603750"/>
+            <a:ext cx="1" cy="387350"/>
+          </a:xfrm>
+          <a:prstGeom prst="line">
+            <a:avLst/>
+          </a:prstGeom>
+          <a:ln>
+            <a:solidFill>
+              <a:schemeClr val="tx1"/>
+            </a:solidFill>
+          </a:ln>
+          <a:effectLst/>
+        </p:spPr>
+        <p:style>
+          <a:lnRef idx="2">
+            <a:schemeClr val="accent1"/>
+          </a:lnRef>
+          <a:fillRef idx="0">
+            <a:schemeClr val="accent1"/>
+          </a:fillRef>
+          <a:effectRef idx="1">
+            <a:schemeClr val="accent1"/>
+          </a:effectRef>
+          <a:fontRef idx="minor">
+            <a:schemeClr val="tx1"/>
+          </a:fontRef>
+        </p:style>
+      </p:cxnSp>
+      <p:cxnSp>
+        <p:nvCxnSpPr>
+          <p:cNvPr id="93" name="直線コネクタ 92"/>
+          <p:cNvCxnSpPr/>
+          <p:nvPr/>
+        </p:nvCxnSpPr>
+        <p:spPr>
+          <a:xfrm flipV="1">
+            <a:off x="5600700" y="4997450"/>
+            <a:ext cx="1" cy="387350"/>
+          </a:xfrm>
+          <a:prstGeom prst="line">
+            <a:avLst/>
+          </a:prstGeom>
+          <a:ln>
+            <a:solidFill>
+              <a:schemeClr val="tx1"/>
+            </a:solidFill>
+          </a:ln>
+          <a:effectLst/>
+        </p:spPr>
+        <p:style>
+          <a:lnRef idx="2">
+            <a:schemeClr val="accent1"/>
+          </a:lnRef>
+          <a:fillRef idx="0">
+            <a:schemeClr val="accent1"/>
+          </a:fillRef>
+          <a:effectRef idx="1">
+            <a:schemeClr val="accent1"/>
+          </a:effectRef>
+          <a:fontRef idx="minor">
+            <a:schemeClr val="tx1"/>
+          </a:fontRef>
+        </p:style>
+      </p:cxnSp>
+      <p:cxnSp>
+        <p:nvCxnSpPr>
+          <p:cNvPr id="94" name="直線コネクタ 93"/>
+          <p:cNvCxnSpPr/>
+          <p:nvPr/>
+        </p:nvCxnSpPr>
+        <p:spPr>
+          <a:xfrm flipV="1">
+            <a:off x="5588000" y="3733800"/>
+            <a:ext cx="1" cy="387350"/>
+          </a:xfrm>
+          <a:prstGeom prst="line">
+            <a:avLst/>
+          </a:prstGeom>
+          <a:ln>
+            <a:solidFill>
+              <a:schemeClr val="tx1"/>
+            </a:solidFill>
+          </a:ln>
+          <a:effectLst/>
+        </p:spPr>
+        <p:style>
+          <a:lnRef idx="2">
+            <a:schemeClr val="accent1"/>
+          </a:lnRef>
+          <a:fillRef idx="0">
+            <a:schemeClr val="accent1"/>
+          </a:fillRef>
+          <a:effectRef idx="1">
+            <a:schemeClr val="accent1"/>
+          </a:effectRef>
+          <a:fontRef idx="minor">
+            <a:schemeClr val="tx1"/>
+          </a:fontRef>
+        </p:style>
+      </p:cxnSp>
+      <p:cxnSp>
+        <p:nvCxnSpPr>
+          <p:cNvPr id="95" name="直線コネクタ 94"/>
+          <p:cNvCxnSpPr/>
+          <p:nvPr/>
+        </p:nvCxnSpPr>
+        <p:spPr>
+          <a:xfrm flipV="1">
+            <a:off x="5568950" y="2438400"/>
+            <a:ext cx="2222500" cy="12700"/>
+          </a:xfrm>
+          <a:prstGeom prst="line">
+            <a:avLst/>
+          </a:prstGeom>
+          <a:ln>
+            <a:solidFill>
+              <a:schemeClr val="tx1"/>
+            </a:solidFill>
+          </a:ln>
+          <a:effectLst/>
+        </p:spPr>
+        <p:style>
+          <a:lnRef idx="2">
+            <a:schemeClr val="accent1"/>
+          </a:lnRef>
+          <a:fillRef idx="0">
+            <a:schemeClr val="accent1"/>
+          </a:fillRef>
+          <a:effectRef idx="1">
+            <a:schemeClr val="accent1"/>
+          </a:effectRef>
+          <a:fontRef idx="minor">
+            <a:schemeClr val="tx1"/>
+          </a:fontRef>
+        </p:style>
+      </p:cxnSp>
+      <p:cxnSp>
+        <p:nvCxnSpPr>
+          <p:cNvPr id="98" name="直線コネクタ 97"/>
+          <p:cNvCxnSpPr/>
+          <p:nvPr/>
+        </p:nvCxnSpPr>
+        <p:spPr>
+          <a:xfrm flipV="1">
+            <a:off x="5581650" y="3721100"/>
+            <a:ext cx="2222500" cy="12700"/>
+          </a:xfrm>
+          <a:prstGeom prst="line">
+            <a:avLst/>
+          </a:prstGeom>
+          <a:ln>
+            <a:solidFill>
+              <a:schemeClr val="tx1"/>
+            </a:solidFill>
+          </a:ln>
+          <a:effectLst/>
+        </p:spPr>
+        <p:style>
+          <a:lnRef idx="2">
+            <a:schemeClr val="accent1"/>
+          </a:lnRef>
+          <a:fillRef idx="0">
+            <a:schemeClr val="accent1"/>
+          </a:fillRef>
+          <a:effectRef idx="1">
+            <a:schemeClr val="accent1"/>
+          </a:effectRef>
+          <a:fontRef idx="minor">
+            <a:schemeClr val="tx1"/>
+          </a:fontRef>
+        </p:style>
+      </p:cxnSp>
+      <p:cxnSp>
+        <p:nvCxnSpPr>
+          <p:cNvPr id="99" name="直線コネクタ 98"/>
+          <p:cNvCxnSpPr/>
+          <p:nvPr/>
+        </p:nvCxnSpPr>
+        <p:spPr>
+          <a:xfrm flipV="1">
+            <a:off x="5594350" y="4991100"/>
+            <a:ext cx="2222500" cy="12700"/>
+          </a:xfrm>
+          <a:prstGeom prst="line">
+            <a:avLst/>
+          </a:prstGeom>
+          <a:ln>
+            <a:solidFill>
+              <a:schemeClr val="tx1"/>
+            </a:solidFill>
+          </a:ln>
+          <a:effectLst/>
+        </p:spPr>
+        <p:style>
+          <a:lnRef idx="2">
+            <a:schemeClr val="accent1"/>
+          </a:lnRef>
+          <a:fillRef idx="0">
+            <a:schemeClr val="accent1"/>
+          </a:fillRef>
+          <a:effectRef idx="1">
+            <a:schemeClr val="accent1"/>
+          </a:effectRef>
+          <a:fontRef idx="minor">
+            <a:schemeClr val="tx1"/>
+          </a:fontRef>
+        </p:style>
+      </p:cxnSp>
+    </p:spTree>
+    <p:extLst>
+      <p:ext uri="{BB962C8B-B14F-4D97-AF65-F5344CB8AC3E}">
+        <p14:creationId xmlns:p14="http://schemas.microsoft.com/office/powerpoint/2010/main" val="2703384335"/>
+      </p:ext>
+    </p:extLst>
+  </p:cSld>
+  <p:clrMapOvr>
+    <a:masterClrMapping/>
+  </p:clrMapOvr>
+</p:sld>
+</file>
+
 <file path=ppt/theme/theme1.xml><?xml version="1.0" encoding="utf-8"?>
 <a:theme xmlns:a="http://schemas.openxmlformats.org/drawingml/2006/main" name="Office テーマ">
   <a:themeElements>
@@ -8133,7 +10438,7 @@
     </a:clrScheme>
     <a:fontScheme name="Office テーマ">
       <a:majorFont>
-        <a:latin typeface="Calibri Light" panose="020F0302020204030204"/>
+        <a:latin typeface="Calibri Light"/>
         <a:ea typeface=""/>
         <a:cs typeface=""/>
         <a:font script="Jpan" typeface="ＭＳ Ｐゴシック"/>
@@ -8168,7 +10473,7 @@
         <a:font script="Geor" typeface="Sylfaen"/>
       </a:majorFont>
       <a:minorFont>
-        <a:latin typeface="Calibri" panose="020F0502020204030204"/>
+        <a:latin typeface="Calibri"/>
         <a:ea typeface=""/>
         <a:cs typeface=""/>
         <a:font script="Jpan" typeface="ＭＳ Ｐゴシック"/>
@@ -8345,7 +10650,7 @@
   <a:extraClrSchemeLst/>
   <a:extLst>
     <a:ext uri="{05A4C25C-085E-4340-85A3-A5531E510DB2}">
-      <thm15:themeFamily xmlns:thm15="http://schemas.microsoft.com/office/thememl/2012/main" name="Office Theme" id="{62F939B6-93AF-4DB8-9C6B-D6C7DFDC589F}" vid="{4A3C46E8-61CC-4603-A589-7422A47A8E4A}"/>
+      <thm15:themeFamily xmlns:thm15="http://schemas.microsoft.com/office/thememl/2012/main" xmlns="" name="Office Theme" id="{62F939B6-93AF-4DB8-9C6B-D6C7DFDC589F}" vid="{4A3C46E8-61CC-4603-A589-7422A47A8E4A}"/>
     </a:ext>
   </a:extLst>
 </a:theme>
